--- a/Team Powerpoint 2.4.pptx
+++ b/Team Powerpoint 2.4.pptx
@@ -4,6 +4,9 @@
   <p:sldMasterIdLst>
     <p:sldMasterId id="2147483725" r:id="rId1"/>
   </p:sldMasterIdLst>
+  <p:notesMasterIdLst>
+    <p:notesMasterId r:id="rId20"/>
+  </p:notesMasterIdLst>
   <p:sldIdLst>
     <p:sldId id="256" r:id="rId2"/>
     <p:sldId id="257" r:id="rId3"/>
@@ -138,6 +141,791 @@
     </p:ext>
   </p:extLst>
 </p:presentation>
+</file>
+
+<file path=ppt/notesMasters/notesMaster1.xml><?xml version="1.0" encoding="utf-8"?>
+<p:notesMaster xmlns:a="http://schemas.openxmlformats.org/drawingml/2006/main" xmlns:r="http://schemas.openxmlformats.org/officeDocument/2006/relationships" xmlns:p="http://schemas.openxmlformats.org/presentationml/2006/main">
+  <p:cSld>
+    <p:bg>
+      <p:bgRef idx="1001">
+        <a:schemeClr val="bg1"/>
+      </p:bgRef>
+    </p:bg>
+    <p:spTree>
+      <p:nvGrpSpPr>
+        <p:cNvPr id="1" name=""/>
+        <p:cNvGrpSpPr/>
+        <p:nvPr/>
+      </p:nvGrpSpPr>
+      <p:grpSpPr>
+        <a:xfrm>
+          <a:off x="0" y="0"/>
+          <a:ext cx="0" cy="0"/>
+          <a:chOff x="0" y="0"/>
+          <a:chExt cx="0" cy="0"/>
+        </a:xfrm>
+      </p:grpSpPr>
+      <p:sp>
+        <p:nvSpPr>
+          <p:cNvPr id="2" name="Header Placeholder 1"/>
+          <p:cNvSpPr>
+            <a:spLocks noGrp="1"/>
+          </p:cNvSpPr>
+          <p:nvPr>
+            <p:ph type="hdr" sz="quarter"/>
+          </p:nvPr>
+        </p:nvSpPr>
+        <p:spPr>
+          <a:xfrm>
+            <a:off x="0" y="0"/>
+            <a:ext cx="2971800" cy="458788"/>
+          </a:xfrm>
+          <a:prstGeom prst="rect">
+            <a:avLst/>
+          </a:prstGeom>
+        </p:spPr>
+        <p:txBody>
+          <a:bodyPr vert="horz" lIns="91440" tIns="45720" rIns="91440" bIns="45720" rtlCol="0"/>
+          <a:lstStyle>
+            <a:lvl1pPr algn="l">
+              <a:defRPr sz="1200"/>
+            </a:lvl1pPr>
+          </a:lstStyle>
+          <a:p>
+            <a:endParaRPr lang="en-NZ"/>
+          </a:p>
+        </p:txBody>
+      </p:sp>
+      <p:sp>
+        <p:nvSpPr>
+          <p:cNvPr id="3" name="Date Placeholder 2"/>
+          <p:cNvSpPr>
+            <a:spLocks noGrp="1"/>
+          </p:cNvSpPr>
+          <p:nvPr>
+            <p:ph type="dt" idx="1"/>
+          </p:nvPr>
+        </p:nvSpPr>
+        <p:spPr>
+          <a:xfrm>
+            <a:off x="3884613" y="0"/>
+            <a:ext cx="2971800" cy="458788"/>
+          </a:xfrm>
+          <a:prstGeom prst="rect">
+            <a:avLst/>
+          </a:prstGeom>
+        </p:spPr>
+        <p:txBody>
+          <a:bodyPr vert="horz" lIns="91440" tIns="45720" rIns="91440" bIns="45720" rtlCol="0"/>
+          <a:lstStyle>
+            <a:lvl1pPr algn="r">
+              <a:defRPr sz="1200"/>
+            </a:lvl1pPr>
+          </a:lstStyle>
+          <a:p>
+            <a:fld id="{47E4B243-7B75-45D1-B7D4-0504E0603F4C}" type="datetimeFigureOut">
+              <a:rPr lang="en-NZ" smtClean="0"/>
+              <a:t>6/06/2019</a:t>
+            </a:fld>
+            <a:endParaRPr lang="en-NZ"/>
+          </a:p>
+        </p:txBody>
+      </p:sp>
+      <p:sp>
+        <p:nvSpPr>
+          <p:cNvPr id="4" name="Slide Image Placeholder 3"/>
+          <p:cNvSpPr>
+            <a:spLocks noGrp="1" noRot="1" noChangeAspect="1"/>
+          </p:cNvSpPr>
+          <p:nvPr>
+            <p:ph type="sldImg" idx="2"/>
+          </p:nvPr>
+        </p:nvSpPr>
+        <p:spPr>
+          <a:xfrm>
+            <a:off x="685800" y="1143000"/>
+            <a:ext cx="5486400" cy="3086100"/>
+          </a:xfrm>
+          <a:prstGeom prst="rect">
+            <a:avLst/>
+          </a:prstGeom>
+          <a:noFill/>
+          <a:ln w="12700">
+            <a:solidFill>
+              <a:prstClr val="black"/>
+            </a:solidFill>
+          </a:ln>
+        </p:spPr>
+        <p:txBody>
+          <a:bodyPr vert="horz" lIns="91440" tIns="45720" rIns="91440" bIns="45720" rtlCol="0" anchor="ctr"/>
+          <a:lstStyle/>
+          <a:p>
+            <a:endParaRPr lang="en-NZ"/>
+          </a:p>
+        </p:txBody>
+      </p:sp>
+      <p:sp>
+        <p:nvSpPr>
+          <p:cNvPr id="5" name="Notes Placeholder 4"/>
+          <p:cNvSpPr>
+            <a:spLocks noGrp="1"/>
+          </p:cNvSpPr>
+          <p:nvPr>
+            <p:ph type="body" sz="quarter" idx="3"/>
+          </p:nvPr>
+        </p:nvSpPr>
+        <p:spPr>
+          <a:xfrm>
+            <a:off x="685800" y="4400550"/>
+            <a:ext cx="5486400" cy="3600450"/>
+          </a:xfrm>
+          <a:prstGeom prst="rect">
+            <a:avLst/>
+          </a:prstGeom>
+        </p:spPr>
+        <p:txBody>
+          <a:bodyPr vert="horz" lIns="91440" tIns="45720" rIns="91440" bIns="45720" rtlCol="0"/>
+          <a:lstStyle/>
+          <a:p>
+            <a:pPr lvl="0"/>
+            <a:r>
+              <a:rPr lang="en-US"/>
+              <a:t>Click to edit Master text styles</a:t>
+            </a:r>
+          </a:p>
+          <a:p>
+            <a:pPr lvl="1"/>
+            <a:r>
+              <a:rPr lang="en-US"/>
+              <a:t>Second level</a:t>
+            </a:r>
+          </a:p>
+          <a:p>
+            <a:pPr lvl="2"/>
+            <a:r>
+              <a:rPr lang="en-US"/>
+              <a:t>Third level</a:t>
+            </a:r>
+          </a:p>
+          <a:p>
+            <a:pPr lvl="3"/>
+            <a:r>
+              <a:rPr lang="en-US"/>
+              <a:t>Fourth level</a:t>
+            </a:r>
+          </a:p>
+          <a:p>
+            <a:pPr lvl="4"/>
+            <a:r>
+              <a:rPr lang="en-US"/>
+              <a:t>Fifth level</a:t>
+            </a:r>
+            <a:endParaRPr lang="en-NZ"/>
+          </a:p>
+        </p:txBody>
+      </p:sp>
+      <p:sp>
+        <p:nvSpPr>
+          <p:cNvPr id="6" name="Footer Placeholder 5"/>
+          <p:cNvSpPr>
+            <a:spLocks noGrp="1"/>
+          </p:cNvSpPr>
+          <p:nvPr>
+            <p:ph type="ftr" sz="quarter" idx="4"/>
+          </p:nvPr>
+        </p:nvSpPr>
+        <p:spPr>
+          <a:xfrm>
+            <a:off x="0" y="8685213"/>
+            <a:ext cx="2971800" cy="458787"/>
+          </a:xfrm>
+          <a:prstGeom prst="rect">
+            <a:avLst/>
+          </a:prstGeom>
+        </p:spPr>
+        <p:txBody>
+          <a:bodyPr vert="horz" lIns="91440" tIns="45720" rIns="91440" bIns="45720" rtlCol="0" anchor="b"/>
+          <a:lstStyle>
+            <a:lvl1pPr algn="l">
+              <a:defRPr sz="1200"/>
+            </a:lvl1pPr>
+          </a:lstStyle>
+          <a:p>
+            <a:endParaRPr lang="en-NZ"/>
+          </a:p>
+        </p:txBody>
+      </p:sp>
+      <p:sp>
+        <p:nvSpPr>
+          <p:cNvPr id="7" name="Slide Number Placeholder 6"/>
+          <p:cNvSpPr>
+            <a:spLocks noGrp="1"/>
+          </p:cNvSpPr>
+          <p:nvPr>
+            <p:ph type="sldNum" sz="quarter" idx="5"/>
+          </p:nvPr>
+        </p:nvSpPr>
+        <p:spPr>
+          <a:xfrm>
+            <a:off x="3884613" y="8685213"/>
+            <a:ext cx="2971800" cy="458787"/>
+          </a:xfrm>
+          <a:prstGeom prst="rect">
+            <a:avLst/>
+          </a:prstGeom>
+        </p:spPr>
+        <p:txBody>
+          <a:bodyPr vert="horz" lIns="91440" tIns="45720" rIns="91440" bIns="45720" rtlCol="0" anchor="b"/>
+          <a:lstStyle>
+            <a:lvl1pPr algn="r">
+              <a:defRPr sz="1200"/>
+            </a:lvl1pPr>
+          </a:lstStyle>
+          <a:p>
+            <a:fld id="{B2D8B8A3-191F-4F8F-826F-DF1F469012B1}" type="slidenum">
+              <a:rPr lang="en-NZ" smtClean="0"/>
+              <a:t>‹#›</a:t>
+            </a:fld>
+            <a:endParaRPr lang="en-NZ"/>
+          </a:p>
+        </p:txBody>
+      </p:sp>
+    </p:spTree>
+    <p:extLst>
+      <p:ext uri="{BB962C8B-B14F-4D97-AF65-F5344CB8AC3E}">
+        <p14:creationId xmlns:p14="http://schemas.microsoft.com/office/powerpoint/2010/main" val="3068097093"/>
+      </p:ext>
+    </p:extLst>
+  </p:cSld>
+  <p:clrMap bg1="lt1" tx1="dk1" bg2="lt2" tx2="dk2" accent1="accent1" accent2="accent2" accent3="accent3" accent4="accent4" accent5="accent5" accent6="accent6" hlink="hlink" folHlink="folHlink"/>
+  <p:notesStyle>
+    <a:lvl1pPr marL="0" algn="l" defTabSz="914400" rtl="0" eaLnBrk="1" latinLnBrk="0" hangingPunct="1">
+      <a:defRPr sz="1200" kern="1200">
+        <a:solidFill>
+          <a:schemeClr val="tx1"/>
+        </a:solidFill>
+        <a:latin typeface="+mn-lt"/>
+        <a:ea typeface="+mn-ea"/>
+        <a:cs typeface="+mn-cs"/>
+      </a:defRPr>
+    </a:lvl1pPr>
+    <a:lvl2pPr marL="457200" algn="l" defTabSz="914400" rtl="0" eaLnBrk="1" latinLnBrk="0" hangingPunct="1">
+      <a:defRPr sz="1200" kern="1200">
+        <a:solidFill>
+          <a:schemeClr val="tx1"/>
+        </a:solidFill>
+        <a:latin typeface="+mn-lt"/>
+        <a:ea typeface="+mn-ea"/>
+        <a:cs typeface="+mn-cs"/>
+      </a:defRPr>
+    </a:lvl2pPr>
+    <a:lvl3pPr marL="914400" algn="l" defTabSz="914400" rtl="0" eaLnBrk="1" latinLnBrk="0" hangingPunct="1">
+      <a:defRPr sz="1200" kern="1200">
+        <a:solidFill>
+          <a:schemeClr val="tx1"/>
+        </a:solidFill>
+        <a:latin typeface="+mn-lt"/>
+        <a:ea typeface="+mn-ea"/>
+        <a:cs typeface="+mn-cs"/>
+      </a:defRPr>
+    </a:lvl3pPr>
+    <a:lvl4pPr marL="1371600" algn="l" defTabSz="914400" rtl="0" eaLnBrk="1" latinLnBrk="0" hangingPunct="1">
+      <a:defRPr sz="1200" kern="1200">
+        <a:solidFill>
+          <a:schemeClr val="tx1"/>
+        </a:solidFill>
+        <a:latin typeface="+mn-lt"/>
+        <a:ea typeface="+mn-ea"/>
+        <a:cs typeface="+mn-cs"/>
+      </a:defRPr>
+    </a:lvl4pPr>
+    <a:lvl5pPr marL="1828800" algn="l" defTabSz="914400" rtl="0" eaLnBrk="1" latinLnBrk="0" hangingPunct="1">
+      <a:defRPr sz="1200" kern="1200">
+        <a:solidFill>
+          <a:schemeClr val="tx1"/>
+        </a:solidFill>
+        <a:latin typeface="+mn-lt"/>
+        <a:ea typeface="+mn-ea"/>
+        <a:cs typeface="+mn-cs"/>
+      </a:defRPr>
+    </a:lvl5pPr>
+    <a:lvl6pPr marL="2286000" algn="l" defTabSz="914400" rtl="0" eaLnBrk="1" latinLnBrk="0" hangingPunct="1">
+      <a:defRPr sz="1200" kern="1200">
+        <a:solidFill>
+          <a:schemeClr val="tx1"/>
+        </a:solidFill>
+        <a:latin typeface="+mn-lt"/>
+        <a:ea typeface="+mn-ea"/>
+        <a:cs typeface="+mn-cs"/>
+      </a:defRPr>
+    </a:lvl6pPr>
+    <a:lvl7pPr marL="2743200" algn="l" defTabSz="914400" rtl="0" eaLnBrk="1" latinLnBrk="0" hangingPunct="1">
+      <a:defRPr sz="1200" kern="1200">
+        <a:solidFill>
+          <a:schemeClr val="tx1"/>
+        </a:solidFill>
+        <a:latin typeface="+mn-lt"/>
+        <a:ea typeface="+mn-ea"/>
+        <a:cs typeface="+mn-cs"/>
+      </a:defRPr>
+    </a:lvl7pPr>
+    <a:lvl8pPr marL="3200400" algn="l" defTabSz="914400" rtl="0" eaLnBrk="1" latinLnBrk="0" hangingPunct="1">
+      <a:defRPr sz="1200" kern="1200">
+        <a:solidFill>
+          <a:schemeClr val="tx1"/>
+        </a:solidFill>
+        <a:latin typeface="+mn-lt"/>
+        <a:ea typeface="+mn-ea"/>
+        <a:cs typeface="+mn-cs"/>
+      </a:defRPr>
+    </a:lvl8pPr>
+    <a:lvl9pPr marL="3657600" algn="l" defTabSz="914400" rtl="0" eaLnBrk="1" latinLnBrk="0" hangingPunct="1">
+      <a:defRPr sz="1200" kern="1200">
+        <a:solidFill>
+          <a:schemeClr val="tx1"/>
+        </a:solidFill>
+        <a:latin typeface="+mn-lt"/>
+        <a:ea typeface="+mn-ea"/>
+        <a:cs typeface="+mn-cs"/>
+      </a:defRPr>
+    </a:lvl9pPr>
+  </p:notesStyle>
+</p:notesMaster>
+</file>
+
+<file path=ppt/notesSlides/notesSlide1.xml><?xml version="1.0" encoding="utf-8"?>
+<p:notes xmlns:a="http://schemas.openxmlformats.org/drawingml/2006/main" xmlns:r="http://schemas.openxmlformats.org/officeDocument/2006/relationships" xmlns:p="http://schemas.openxmlformats.org/presentationml/2006/main">
+  <p:cSld>
+    <p:spTree>
+      <p:nvGrpSpPr>
+        <p:cNvPr id="1" name=""/>
+        <p:cNvGrpSpPr/>
+        <p:nvPr/>
+      </p:nvGrpSpPr>
+      <p:grpSpPr>
+        <a:xfrm>
+          <a:off x="0" y="0"/>
+          <a:ext cx="0" cy="0"/>
+          <a:chOff x="0" y="0"/>
+          <a:chExt cx="0" cy="0"/>
+        </a:xfrm>
+      </p:grpSpPr>
+      <p:sp>
+        <p:nvSpPr>
+          <p:cNvPr id="2" name="Slide Image Placeholder 1"/>
+          <p:cNvSpPr>
+            <a:spLocks noGrp="1" noRot="1" noChangeAspect="1"/>
+          </p:cNvSpPr>
+          <p:nvPr>
+            <p:ph type="sldImg"/>
+          </p:nvPr>
+        </p:nvSpPr>
+        <p:spPr/>
+      </p:sp>
+      <p:sp>
+        <p:nvSpPr>
+          <p:cNvPr id="3" name="Notes Placeholder 2"/>
+          <p:cNvSpPr>
+            <a:spLocks noGrp="1"/>
+          </p:cNvSpPr>
+          <p:nvPr>
+            <p:ph type="body" idx="1"/>
+          </p:nvPr>
+        </p:nvSpPr>
+        <p:spPr/>
+        <p:txBody>
+          <a:bodyPr/>
+          <a:lstStyle/>
+          <a:p>
+            <a:r>
+              <a:rPr lang="en-NZ" b="1" dirty="0"/>
+              <a:t>Cara</a:t>
+            </a:r>
+          </a:p>
+        </p:txBody>
+      </p:sp>
+      <p:sp>
+        <p:nvSpPr>
+          <p:cNvPr id="4" name="Slide Number Placeholder 3"/>
+          <p:cNvSpPr>
+            <a:spLocks noGrp="1"/>
+          </p:cNvSpPr>
+          <p:nvPr>
+            <p:ph type="sldNum" sz="quarter" idx="5"/>
+          </p:nvPr>
+        </p:nvSpPr>
+        <p:spPr/>
+        <p:txBody>
+          <a:bodyPr/>
+          <a:lstStyle/>
+          <a:p>
+            <a:fld id="{B2D8B8A3-191F-4F8F-826F-DF1F469012B1}" type="slidenum">
+              <a:rPr lang="en-NZ" smtClean="0"/>
+              <a:t>14</a:t>
+            </a:fld>
+            <a:endParaRPr lang="en-NZ"/>
+          </a:p>
+        </p:txBody>
+      </p:sp>
+    </p:spTree>
+    <p:extLst>
+      <p:ext uri="{BB962C8B-B14F-4D97-AF65-F5344CB8AC3E}">
+        <p14:creationId xmlns:p14="http://schemas.microsoft.com/office/powerpoint/2010/main" val="425348959"/>
+      </p:ext>
+    </p:extLst>
+  </p:cSld>
+  <p:clrMapOvr>
+    <a:masterClrMapping/>
+  </p:clrMapOvr>
+</p:notes>
+</file>
+
+<file path=ppt/notesSlides/notesSlide2.xml><?xml version="1.0" encoding="utf-8"?>
+<p:notes xmlns:a="http://schemas.openxmlformats.org/drawingml/2006/main" xmlns:r="http://schemas.openxmlformats.org/officeDocument/2006/relationships" xmlns:p="http://schemas.openxmlformats.org/presentationml/2006/main">
+  <p:cSld>
+    <p:spTree>
+      <p:nvGrpSpPr>
+        <p:cNvPr id="1" name=""/>
+        <p:cNvGrpSpPr/>
+        <p:nvPr/>
+      </p:nvGrpSpPr>
+      <p:grpSpPr>
+        <a:xfrm>
+          <a:off x="0" y="0"/>
+          <a:ext cx="0" cy="0"/>
+          <a:chOff x="0" y="0"/>
+          <a:chExt cx="0" cy="0"/>
+        </a:xfrm>
+      </p:grpSpPr>
+      <p:sp>
+        <p:nvSpPr>
+          <p:cNvPr id="2" name="Slide Image Placeholder 1"/>
+          <p:cNvSpPr>
+            <a:spLocks noGrp="1" noRot="1" noChangeAspect="1"/>
+          </p:cNvSpPr>
+          <p:nvPr>
+            <p:ph type="sldImg"/>
+          </p:nvPr>
+        </p:nvSpPr>
+        <p:spPr/>
+      </p:sp>
+      <p:sp>
+        <p:nvSpPr>
+          <p:cNvPr id="3" name="Notes Placeholder 2"/>
+          <p:cNvSpPr>
+            <a:spLocks noGrp="1"/>
+          </p:cNvSpPr>
+          <p:nvPr>
+            <p:ph type="body" idx="1"/>
+          </p:nvPr>
+        </p:nvSpPr>
+        <p:spPr/>
+        <p:txBody>
+          <a:bodyPr/>
+          <a:lstStyle/>
+          <a:p>
+            <a:r>
+              <a:rPr lang="en-NZ" b="1" dirty="0"/>
+              <a:t>Cara</a:t>
+            </a:r>
+          </a:p>
+        </p:txBody>
+      </p:sp>
+      <p:sp>
+        <p:nvSpPr>
+          <p:cNvPr id="4" name="Slide Number Placeholder 3"/>
+          <p:cNvSpPr>
+            <a:spLocks noGrp="1"/>
+          </p:cNvSpPr>
+          <p:nvPr>
+            <p:ph type="sldNum" sz="quarter" idx="5"/>
+          </p:nvPr>
+        </p:nvSpPr>
+        <p:spPr/>
+        <p:txBody>
+          <a:bodyPr/>
+          <a:lstStyle/>
+          <a:p>
+            <a:fld id="{B2D8B8A3-191F-4F8F-826F-DF1F469012B1}" type="slidenum">
+              <a:rPr lang="en-NZ" smtClean="0"/>
+              <a:t>15</a:t>
+            </a:fld>
+            <a:endParaRPr lang="en-NZ"/>
+          </a:p>
+        </p:txBody>
+      </p:sp>
+    </p:spTree>
+    <p:extLst>
+      <p:ext uri="{BB962C8B-B14F-4D97-AF65-F5344CB8AC3E}">
+        <p14:creationId xmlns:p14="http://schemas.microsoft.com/office/powerpoint/2010/main" val="3259899962"/>
+      </p:ext>
+    </p:extLst>
+  </p:cSld>
+  <p:clrMapOvr>
+    <a:masterClrMapping/>
+  </p:clrMapOvr>
+</p:notes>
+</file>
+
+<file path=ppt/notesSlides/notesSlide3.xml><?xml version="1.0" encoding="utf-8"?>
+<p:notes xmlns:a="http://schemas.openxmlformats.org/drawingml/2006/main" xmlns:r="http://schemas.openxmlformats.org/officeDocument/2006/relationships" xmlns:p="http://schemas.openxmlformats.org/presentationml/2006/main">
+  <p:cSld>
+    <p:spTree>
+      <p:nvGrpSpPr>
+        <p:cNvPr id="1" name=""/>
+        <p:cNvGrpSpPr/>
+        <p:nvPr/>
+      </p:nvGrpSpPr>
+      <p:grpSpPr>
+        <a:xfrm>
+          <a:off x="0" y="0"/>
+          <a:ext cx="0" cy="0"/>
+          <a:chOff x="0" y="0"/>
+          <a:chExt cx="0" cy="0"/>
+        </a:xfrm>
+      </p:grpSpPr>
+      <p:sp>
+        <p:nvSpPr>
+          <p:cNvPr id="2" name="Slide Image Placeholder 1"/>
+          <p:cNvSpPr>
+            <a:spLocks noGrp="1" noRot="1" noChangeAspect="1"/>
+          </p:cNvSpPr>
+          <p:nvPr>
+            <p:ph type="sldImg"/>
+          </p:nvPr>
+        </p:nvSpPr>
+        <p:spPr/>
+      </p:sp>
+      <p:sp>
+        <p:nvSpPr>
+          <p:cNvPr id="3" name="Notes Placeholder 2"/>
+          <p:cNvSpPr>
+            <a:spLocks noGrp="1"/>
+          </p:cNvSpPr>
+          <p:nvPr>
+            <p:ph type="body" idx="1"/>
+          </p:nvPr>
+        </p:nvSpPr>
+        <p:spPr/>
+        <p:txBody>
+          <a:bodyPr/>
+          <a:lstStyle/>
+          <a:p>
+            <a:r>
+              <a:rPr lang="en-NZ" b="1" dirty="0"/>
+              <a:t>Cara</a:t>
+            </a:r>
+          </a:p>
+        </p:txBody>
+      </p:sp>
+      <p:sp>
+        <p:nvSpPr>
+          <p:cNvPr id="4" name="Slide Number Placeholder 3"/>
+          <p:cNvSpPr>
+            <a:spLocks noGrp="1"/>
+          </p:cNvSpPr>
+          <p:nvPr>
+            <p:ph type="sldNum" sz="quarter" idx="5"/>
+          </p:nvPr>
+        </p:nvSpPr>
+        <p:spPr/>
+        <p:txBody>
+          <a:bodyPr/>
+          <a:lstStyle/>
+          <a:p>
+            <a:fld id="{B2D8B8A3-191F-4F8F-826F-DF1F469012B1}" type="slidenum">
+              <a:rPr lang="en-NZ" smtClean="0"/>
+              <a:t>16</a:t>
+            </a:fld>
+            <a:endParaRPr lang="en-NZ"/>
+          </a:p>
+        </p:txBody>
+      </p:sp>
+    </p:spTree>
+    <p:extLst>
+      <p:ext uri="{BB962C8B-B14F-4D97-AF65-F5344CB8AC3E}">
+        <p14:creationId xmlns:p14="http://schemas.microsoft.com/office/powerpoint/2010/main" val="217985760"/>
+      </p:ext>
+    </p:extLst>
+  </p:cSld>
+  <p:clrMapOvr>
+    <a:masterClrMapping/>
+  </p:clrMapOvr>
+</p:notes>
+</file>
+
+<file path=ppt/notesSlides/notesSlide4.xml><?xml version="1.0" encoding="utf-8"?>
+<p:notes xmlns:a="http://schemas.openxmlformats.org/drawingml/2006/main" xmlns:r="http://schemas.openxmlformats.org/officeDocument/2006/relationships" xmlns:p="http://schemas.openxmlformats.org/presentationml/2006/main">
+  <p:cSld>
+    <p:spTree>
+      <p:nvGrpSpPr>
+        <p:cNvPr id="1" name=""/>
+        <p:cNvGrpSpPr/>
+        <p:nvPr/>
+      </p:nvGrpSpPr>
+      <p:grpSpPr>
+        <a:xfrm>
+          <a:off x="0" y="0"/>
+          <a:ext cx="0" cy="0"/>
+          <a:chOff x="0" y="0"/>
+          <a:chExt cx="0" cy="0"/>
+        </a:xfrm>
+      </p:grpSpPr>
+      <p:sp>
+        <p:nvSpPr>
+          <p:cNvPr id="2" name="Slide Image Placeholder 1"/>
+          <p:cNvSpPr>
+            <a:spLocks noGrp="1" noRot="1" noChangeAspect="1"/>
+          </p:cNvSpPr>
+          <p:nvPr>
+            <p:ph type="sldImg"/>
+          </p:nvPr>
+        </p:nvSpPr>
+        <p:spPr/>
+      </p:sp>
+      <p:sp>
+        <p:nvSpPr>
+          <p:cNvPr id="3" name="Notes Placeholder 2"/>
+          <p:cNvSpPr>
+            <a:spLocks noGrp="1"/>
+          </p:cNvSpPr>
+          <p:nvPr>
+            <p:ph type="body" idx="1"/>
+          </p:nvPr>
+        </p:nvSpPr>
+        <p:spPr/>
+        <p:txBody>
+          <a:bodyPr/>
+          <a:lstStyle/>
+          <a:p>
+            <a:r>
+              <a:rPr lang="en-NZ" b="1" dirty="0"/>
+              <a:t>Cara</a:t>
+            </a:r>
+          </a:p>
+        </p:txBody>
+      </p:sp>
+      <p:sp>
+        <p:nvSpPr>
+          <p:cNvPr id="4" name="Slide Number Placeholder 3"/>
+          <p:cNvSpPr>
+            <a:spLocks noGrp="1"/>
+          </p:cNvSpPr>
+          <p:nvPr>
+            <p:ph type="sldNum" sz="quarter" idx="5"/>
+          </p:nvPr>
+        </p:nvSpPr>
+        <p:spPr/>
+        <p:txBody>
+          <a:bodyPr/>
+          <a:lstStyle/>
+          <a:p>
+            <a:fld id="{B2D8B8A3-191F-4F8F-826F-DF1F469012B1}" type="slidenum">
+              <a:rPr lang="en-NZ" smtClean="0"/>
+              <a:t>17</a:t>
+            </a:fld>
+            <a:endParaRPr lang="en-NZ"/>
+          </a:p>
+        </p:txBody>
+      </p:sp>
+    </p:spTree>
+    <p:extLst>
+      <p:ext uri="{BB962C8B-B14F-4D97-AF65-F5344CB8AC3E}">
+        <p14:creationId xmlns:p14="http://schemas.microsoft.com/office/powerpoint/2010/main" val="4104551412"/>
+      </p:ext>
+    </p:extLst>
+  </p:cSld>
+  <p:clrMapOvr>
+    <a:masterClrMapping/>
+  </p:clrMapOvr>
+</p:notes>
+</file>
+
+<file path=ppt/notesSlides/notesSlide5.xml><?xml version="1.0" encoding="utf-8"?>
+<p:notes xmlns:a="http://schemas.openxmlformats.org/drawingml/2006/main" xmlns:r="http://schemas.openxmlformats.org/officeDocument/2006/relationships" xmlns:p="http://schemas.openxmlformats.org/presentationml/2006/main">
+  <p:cSld>
+    <p:spTree>
+      <p:nvGrpSpPr>
+        <p:cNvPr id="1" name=""/>
+        <p:cNvGrpSpPr/>
+        <p:nvPr/>
+      </p:nvGrpSpPr>
+      <p:grpSpPr>
+        <a:xfrm>
+          <a:off x="0" y="0"/>
+          <a:ext cx="0" cy="0"/>
+          <a:chOff x="0" y="0"/>
+          <a:chExt cx="0" cy="0"/>
+        </a:xfrm>
+      </p:grpSpPr>
+      <p:sp>
+        <p:nvSpPr>
+          <p:cNvPr id="2" name="Slide Image Placeholder 1"/>
+          <p:cNvSpPr>
+            <a:spLocks noGrp="1" noRot="1" noChangeAspect="1"/>
+          </p:cNvSpPr>
+          <p:nvPr>
+            <p:ph type="sldImg"/>
+          </p:nvPr>
+        </p:nvSpPr>
+        <p:spPr/>
+      </p:sp>
+      <p:sp>
+        <p:nvSpPr>
+          <p:cNvPr id="3" name="Notes Placeholder 2"/>
+          <p:cNvSpPr>
+            <a:spLocks noGrp="1"/>
+          </p:cNvSpPr>
+          <p:nvPr>
+            <p:ph type="body" idx="1"/>
+          </p:nvPr>
+        </p:nvSpPr>
+        <p:spPr/>
+        <p:txBody>
+          <a:bodyPr/>
+          <a:lstStyle/>
+          <a:p>
+            <a:r>
+              <a:rPr lang="en-NZ" b="1" dirty="0"/>
+              <a:t>Cara</a:t>
+            </a:r>
+          </a:p>
+        </p:txBody>
+      </p:sp>
+      <p:sp>
+        <p:nvSpPr>
+          <p:cNvPr id="4" name="Slide Number Placeholder 3"/>
+          <p:cNvSpPr>
+            <a:spLocks noGrp="1"/>
+          </p:cNvSpPr>
+          <p:nvPr>
+            <p:ph type="sldNum" sz="quarter" idx="5"/>
+          </p:nvPr>
+        </p:nvSpPr>
+        <p:spPr/>
+        <p:txBody>
+          <a:bodyPr/>
+          <a:lstStyle/>
+          <a:p>
+            <a:fld id="{B2D8B8A3-191F-4F8F-826F-DF1F469012B1}" type="slidenum">
+              <a:rPr lang="en-NZ" smtClean="0"/>
+              <a:t>18</a:t>
+            </a:fld>
+            <a:endParaRPr lang="en-NZ"/>
+          </a:p>
+        </p:txBody>
+      </p:sp>
+    </p:spTree>
+    <p:extLst>
+      <p:ext uri="{BB962C8B-B14F-4D97-AF65-F5344CB8AC3E}">
+        <p14:creationId xmlns:p14="http://schemas.microsoft.com/office/powerpoint/2010/main" val="2737883292"/>
+      </p:ext>
+    </p:extLst>
+  </p:cSld>
+  <p:clrMapOvr>
+    <a:masterClrMapping/>
+  </p:clrMapOvr>
+</p:notes>
 </file>
 
 <file path=ppt/slideLayouts/slideLayout1.xml><?xml version="1.0" encoding="utf-8"?>
@@ -7745,7 +8533,7 @@
               <a:rPr lang="en-US" sz="2700" cap="none" dirty="0">
                 <a:latin typeface="+mn-lt"/>
               </a:rPr>
-              <a:t>ad communication is the biggest thing especially when doing a project work with different members as we all know need to know what the task are of another member. improper communication could lead to fail project or assignment and give unnecessary problem that we don’t want especially, when you have only 8 weeks to create an app so, communication must be good between members.</a:t>
+              <a:t>ad communication is the biggest thing especially when doing a project work with different members as we all know need to know what the task are of another member. Improper communication could lead to fail project or assignment and give unnecessary problem that we don’t want especially, when you have only 8 weeks to create an app so, communication must be good between members.</a:t>
             </a:r>
             <a:br>
               <a:rPr lang="en-US" sz="2700" cap="none" dirty="0">
@@ -8017,14 +8805,10 @@
               <a:t> </a:t>
             </a:r>
             <a:r>
-              <a:rPr lang="en-US" dirty="0"/>
-              <a:t>I</a:t>
-            </a:r>
-            <a:r>
               <a:rPr lang="en-US" sz="2700" cap="none" dirty="0">
                 <a:latin typeface="+mn-lt"/>
               </a:rPr>
-              <a:t>t’s important that we distribute our task between members so, everyone has fair chance to do during time given as time is super crucial for this project because nobody want to fail this course so, every single member need to use time very efficiently to have nice impact on our project.</a:t>
+              <a:t>Its important that we distribute our task between members so, everyone has fair chance to do during time given as time is super crucial for this project because nobody want to fail this course so, every single member need to use time very efficiently to have nice impact on our project.</a:t>
             </a:r>
             <a:br>
               <a:rPr lang="en-NZ" sz="2700" cap="none" dirty="0">
@@ -8348,7 +9132,7 @@
           <p:nvPr/>
         </p:nvPicPr>
         <p:blipFill>
-          <a:blip r:embed="rId2"/>
+          <a:blip r:embed="rId3"/>
           <a:stretch>
             <a:fillRect/>
           </a:stretch>
@@ -8568,7 +9352,7 @@
           <p:nvPr/>
         </p:nvPicPr>
         <p:blipFill>
-          <a:blip r:embed="rId2"/>
+          <a:blip r:embed="rId3"/>
           <a:stretch>
             <a:fillRect/>
           </a:stretch>
@@ -8828,7 +9612,7 @@
           <p:nvPr/>
         </p:nvPicPr>
         <p:blipFill>
-          <a:blip r:embed="rId2"/>
+          <a:blip r:embed="rId3"/>
           <a:stretch>
             <a:fillRect/>
           </a:stretch>
@@ -8875,10 +9659,10 @@
       </p:grpSpPr>
       <p:sp>
         <p:nvSpPr>
-          <p:cNvPr id="6" name="Title 1">
+          <p:cNvPr id="8" name="Title 7">
             <a:extLst>
               <a:ext uri="{FF2B5EF4-FFF2-40B4-BE49-F238E27FC236}">
-                <a16:creationId xmlns:a16="http://schemas.microsoft.com/office/drawing/2014/main" id="{532FEFE5-90A5-4414-ADB2-DED0A47221D9}"/>
+                <a16:creationId xmlns:a16="http://schemas.microsoft.com/office/drawing/2014/main" id="{5CC45A5A-CB4B-4B42-9B05-FCEE8B62375E}"/>
               </a:ext>
             </a:extLst>
           </p:cNvPr>
@@ -8891,214 +9675,1069 @@
         </p:nvSpPr>
         <p:spPr>
           <a:xfrm>
-            <a:off x="46382" y="0"/>
-            <a:ext cx="12099235" cy="6858000"/>
+            <a:off x="913774" y="232624"/>
+            <a:ext cx="10364451" cy="757277"/>
           </a:xfrm>
         </p:spPr>
         <p:txBody>
-          <a:bodyPr anchor="t">
-            <a:normAutofit fontScale="90000"/>
+          <a:bodyPr>
+            <a:normAutofit/>
           </a:bodyPr>
           <a:lstStyle/>
           <a:p>
-            <a:pPr algn="l"/>
-            <a:r>
-              <a:rPr lang="en-NZ" dirty="0">
-                <a:latin typeface="Calibri" panose="020F0502020204030204" pitchFamily="34" charset="0"/>
-                <a:cs typeface="Calibri" panose="020F0502020204030204" pitchFamily="34" charset="0"/>
-              </a:rPr>
-              <a:t>                                        </a:t>
-            </a:r>
-            <a:br>
-              <a:rPr lang="en-NZ" dirty="0">
-                <a:latin typeface="Calibri" panose="020F0502020204030204" pitchFamily="34" charset="0"/>
-                <a:cs typeface="Calibri" panose="020F0502020204030204" pitchFamily="34" charset="0"/>
-              </a:rPr>
-            </a:br>
-            <a:r>
-              <a:rPr lang="en-NZ" dirty="0">
-                <a:latin typeface="Calibri" panose="020F0502020204030204" pitchFamily="34" charset="0"/>
-                <a:cs typeface="Calibri" panose="020F0502020204030204" pitchFamily="34" charset="0"/>
-              </a:rPr>
-              <a:t>                                               </a:t>
-            </a:r>
-            <a:r>
-              <a:rPr lang="en-NZ" b="1" u="sng" cap="none" dirty="0">
+            <a:r>
+              <a:rPr lang="en-NZ" sz="3200" b="1" u="sng" dirty="0">
                 <a:latin typeface="Bahnschrift" panose="020B0502040204020203" pitchFamily="34" charset="0"/>
-                <a:cs typeface="Calibri" panose="020F0502020204030204" pitchFamily="34" charset="0"/>
-              </a:rPr>
-              <a:t>REFERENCES </a:t>
-            </a:r>
-            <a:br>
-              <a:rPr lang="en-NZ" b="1" u="sng" cap="none" dirty="0">
-                <a:latin typeface="Bahnschrift" panose="020B0502040204020203" pitchFamily="34" charset="0"/>
-                <a:cs typeface="Calibri" panose="020F0502020204030204" pitchFamily="34" charset="0"/>
-              </a:rPr>
-            </a:br>
-            <a:br>
-              <a:rPr lang="en-NZ" b="1" u="sng" cap="none" dirty="0">
-                <a:latin typeface="Bahnschrift" panose="020B0502040204020203" pitchFamily="34" charset="0"/>
-                <a:cs typeface="Calibri" panose="020F0502020204030204" pitchFamily="34" charset="0"/>
-              </a:rPr>
-            </a:br>
-            <a:r>
-              <a:rPr lang="en-NZ" b="1" cap="none" dirty="0">
-                <a:latin typeface="Bahnschrift" panose="020B0502040204020203" pitchFamily="34" charset="0"/>
-                <a:cs typeface="Calibri" panose="020F0502020204030204" pitchFamily="34" charset="0"/>
-              </a:rPr>
-              <a:t>. </a:t>
-            </a:r>
-            <a:r>
-              <a:rPr lang="en-US" sz="2700" cap="none" dirty="0">
-                <a:latin typeface="+mn-lt"/>
+              </a:rPr>
+              <a:t>REFERENCES</a:t>
+            </a:r>
+          </a:p>
+        </p:txBody>
+      </p:sp>
+      <p:sp>
+        <p:nvSpPr>
+          <p:cNvPr id="9" name="Rectangle 5">
+            <a:extLst>
+              <a:ext uri="{FF2B5EF4-FFF2-40B4-BE49-F238E27FC236}">
+                <a16:creationId xmlns:a16="http://schemas.microsoft.com/office/drawing/2014/main" id="{36690D11-F762-4B69-8337-67660DE43149}"/>
+              </a:ext>
+            </a:extLst>
+          </p:cNvPr>
+          <p:cNvSpPr>
+            <a:spLocks noChangeArrowheads="1"/>
+          </p:cNvSpPr>
+          <p:nvPr/>
+        </p:nvSpPr>
+        <p:spPr bwMode="auto">
+          <a:xfrm>
+            <a:off x="538292" y="1351508"/>
+            <a:ext cx="11115413" cy="4154984"/>
+          </a:xfrm>
+          <a:prstGeom prst="rect">
+            <a:avLst/>
+          </a:prstGeom>
+          <a:noFill/>
+          <a:ln>
+            <a:noFill/>
+          </a:ln>
+          <a:effectLst/>
+          <a:extLst>
+            <a:ext uri="{909E8E84-426E-40DD-AFC4-6F175D3DCCD1}">
+              <a14:hiddenFill xmlns:a14="http://schemas.microsoft.com/office/drawing/2010/main">
+                <a:solidFill>
+                  <a:schemeClr val="accent1"/>
+                </a:solidFill>
+              </a14:hiddenFill>
+            </a:ext>
+            <a:ext uri="{91240B29-F687-4F45-9708-019B960494DF}">
+              <a14:hiddenLine xmlns:a14="http://schemas.microsoft.com/office/drawing/2010/main" w="9525">
+                <a:solidFill>
+                  <a:schemeClr val="tx1"/>
+                </a:solidFill>
+                <a:miter lim="800000"/>
+                <a:headEnd/>
+                <a:tailEnd/>
+              </a14:hiddenLine>
+            </a:ext>
+            <a:ext uri="{AF507438-7753-43E0-B8FC-AC1667EBCBE1}">
+              <a14:hiddenEffects xmlns:a14="http://schemas.microsoft.com/office/drawing/2010/main">
+                <a:effectLst>
+                  <a:outerShdw dist="35921" dir="2700000" algn="ctr" rotWithShape="0">
+                    <a:schemeClr val="bg2"/>
+                  </a:outerShdw>
+                </a:effectLst>
+              </a14:hiddenEffects>
+            </a:ext>
+          </a:extLst>
+        </p:spPr>
+        <p:txBody>
+          <a:bodyPr vert="horz" wrap="square" lIns="91440" tIns="45720" rIns="91440" bIns="45720" numCol="1" anchor="ctr" anchorCtr="0" compatLnSpc="1">
+            <a:prstTxWarp prst="textNoShape">
+              <a:avLst/>
+            </a:prstTxWarp>
+            <a:spAutoFit/>
+          </a:bodyPr>
+          <a:lstStyle>
+            <a:lvl1pPr eaLnBrk="0" fontAlgn="base" hangingPunct="0">
+              <a:spcBef>
+                <a:spcPct val="0"/>
+              </a:spcBef>
+              <a:spcAft>
+                <a:spcPct val="0"/>
+              </a:spcAft>
+              <a:defRPr>
+                <a:solidFill>
+                  <a:schemeClr val="tx1"/>
+                </a:solidFill>
+                <a:latin typeface="Arial" panose="020B0604020202020204" pitchFamily="34" charset="0"/>
+              </a:defRPr>
+            </a:lvl1pPr>
+            <a:lvl2pPr eaLnBrk="0" fontAlgn="base" hangingPunct="0">
+              <a:spcBef>
+                <a:spcPct val="0"/>
+              </a:spcBef>
+              <a:spcAft>
+                <a:spcPct val="0"/>
+              </a:spcAft>
+              <a:defRPr>
+                <a:solidFill>
+                  <a:schemeClr val="tx1"/>
+                </a:solidFill>
+                <a:latin typeface="Arial" panose="020B0604020202020204" pitchFamily="34" charset="0"/>
+              </a:defRPr>
+            </a:lvl2pPr>
+            <a:lvl3pPr eaLnBrk="0" fontAlgn="base" hangingPunct="0">
+              <a:spcBef>
+                <a:spcPct val="0"/>
+              </a:spcBef>
+              <a:spcAft>
+                <a:spcPct val="0"/>
+              </a:spcAft>
+              <a:defRPr>
+                <a:solidFill>
+                  <a:schemeClr val="tx1"/>
+                </a:solidFill>
+                <a:latin typeface="Arial" panose="020B0604020202020204" pitchFamily="34" charset="0"/>
+              </a:defRPr>
+            </a:lvl3pPr>
+            <a:lvl4pPr eaLnBrk="0" fontAlgn="base" hangingPunct="0">
+              <a:spcBef>
+                <a:spcPct val="0"/>
+              </a:spcBef>
+              <a:spcAft>
+                <a:spcPct val="0"/>
+              </a:spcAft>
+              <a:defRPr>
+                <a:solidFill>
+                  <a:schemeClr val="tx1"/>
+                </a:solidFill>
+                <a:latin typeface="Arial" panose="020B0604020202020204" pitchFamily="34" charset="0"/>
+              </a:defRPr>
+            </a:lvl4pPr>
+            <a:lvl5pPr eaLnBrk="0" fontAlgn="base" hangingPunct="0">
+              <a:spcBef>
+                <a:spcPct val="0"/>
+              </a:spcBef>
+              <a:spcAft>
+                <a:spcPct val="0"/>
+              </a:spcAft>
+              <a:defRPr>
+                <a:solidFill>
+                  <a:schemeClr val="tx1"/>
+                </a:solidFill>
+                <a:latin typeface="Arial" panose="020B0604020202020204" pitchFamily="34" charset="0"/>
+              </a:defRPr>
+            </a:lvl5pPr>
+            <a:lvl6pPr eaLnBrk="0" fontAlgn="base" hangingPunct="0">
+              <a:spcBef>
+                <a:spcPct val="0"/>
+              </a:spcBef>
+              <a:spcAft>
+                <a:spcPct val="0"/>
+              </a:spcAft>
+              <a:defRPr>
+                <a:solidFill>
+                  <a:schemeClr val="tx1"/>
+                </a:solidFill>
+                <a:latin typeface="Arial" panose="020B0604020202020204" pitchFamily="34" charset="0"/>
+              </a:defRPr>
+            </a:lvl6pPr>
+            <a:lvl7pPr eaLnBrk="0" fontAlgn="base" hangingPunct="0">
+              <a:spcBef>
+                <a:spcPct val="0"/>
+              </a:spcBef>
+              <a:spcAft>
+                <a:spcPct val="0"/>
+              </a:spcAft>
+              <a:defRPr>
+                <a:solidFill>
+                  <a:schemeClr val="tx1"/>
+                </a:solidFill>
+                <a:latin typeface="Arial" panose="020B0604020202020204" pitchFamily="34" charset="0"/>
+              </a:defRPr>
+            </a:lvl7pPr>
+            <a:lvl8pPr eaLnBrk="0" fontAlgn="base" hangingPunct="0">
+              <a:spcBef>
+                <a:spcPct val="0"/>
+              </a:spcBef>
+              <a:spcAft>
+                <a:spcPct val="0"/>
+              </a:spcAft>
+              <a:defRPr>
+                <a:solidFill>
+                  <a:schemeClr val="tx1"/>
+                </a:solidFill>
+                <a:latin typeface="Arial" panose="020B0604020202020204" pitchFamily="34" charset="0"/>
+              </a:defRPr>
+            </a:lvl8pPr>
+            <a:lvl9pPr eaLnBrk="0" fontAlgn="base" hangingPunct="0">
+              <a:spcBef>
+                <a:spcPct val="0"/>
+              </a:spcBef>
+              <a:spcAft>
+                <a:spcPct val="0"/>
+              </a:spcAft>
+              <a:defRPr>
+                <a:solidFill>
+                  <a:schemeClr val="tx1"/>
+                </a:solidFill>
+                <a:latin typeface="Arial" panose="020B0604020202020204" pitchFamily="34" charset="0"/>
+              </a:defRPr>
+            </a:lvl9pPr>
+          </a:lstStyle>
+          <a:p>
+            <a:pPr marL="0" marR="0" lvl="0" indent="0" algn="l" defTabSz="914400" rtl="0" eaLnBrk="0" fontAlgn="base" latinLnBrk="0" hangingPunct="0">
+              <a:lnSpc>
+                <a:spcPct val="100000"/>
+              </a:lnSpc>
+              <a:spcBef>
+                <a:spcPct val="0"/>
+              </a:spcBef>
+              <a:spcAft>
+                <a:spcPct val="0"/>
+              </a:spcAft>
+              <a:buClrTx/>
+              <a:buSzTx/>
+              <a:buFontTx/>
+              <a:buNone/>
+              <a:tabLst/>
+            </a:pPr>
+            <a:r>
+              <a:rPr kumimoji="0" lang="en-NZ" altLang="en-US" b="0" i="0" u="none" strike="noStrike" cap="none" normalizeH="0" baseline="0" dirty="0">
+                <a:ln>
+                  <a:noFill/>
+                </a:ln>
+                <a:solidFill>
+                  <a:srgbClr val="FF6699"/>
+                </a:solidFill>
+                <a:effectLst/>
+                <a:latin typeface="Arial" panose="020B0604020202020204" pitchFamily="34" charset="0"/>
+                <a:ea typeface="Calibri" panose="020F0502020204030204" pitchFamily="34" charset="0"/>
+                <a:cs typeface="Arial" panose="020B0604020202020204" pitchFamily="34" charset="0"/>
+              </a:rPr>
+              <a:t>Blueprint. (n.d.). Agile Methodologies. Retrieved from </a:t>
+            </a:r>
+            <a:endParaRPr kumimoji="0" lang="en-NZ" altLang="en-US" sz="1100" b="0" i="0" u="none" strike="noStrike" cap="none" normalizeH="0" baseline="0" dirty="0">
+              <a:ln>
+                <a:noFill/>
+              </a:ln>
+              <a:solidFill>
+                <a:schemeClr val="tx1"/>
+              </a:solidFill>
+              <a:effectLst/>
+            </a:endParaRPr>
+          </a:p>
+          <a:p>
+            <a:pPr marL="0" marR="0" lvl="0" indent="0" algn="l" defTabSz="914400" rtl="0" eaLnBrk="0" fontAlgn="base" latinLnBrk="0" hangingPunct="0">
+              <a:lnSpc>
+                <a:spcPct val="100000"/>
+              </a:lnSpc>
+              <a:spcBef>
+                <a:spcPct val="0"/>
+              </a:spcBef>
+              <a:spcAft>
+                <a:spcPct val="0"/>
+              </a:spcAft>
+              <a:buClrTx/>
+              <a:buSzTx/>
+              <a:buFontTx/>
+              <a:buNone/>
+              <a:tabLst/>
+            </a:pPr>
+            <a:r>
+              <a:rPr kumimoji="0" lang="en-NZ" altLang="en-US" b="0" i="0" u="none" strike="noStrike" cap="none" normalizeH="0" baseline="0" dirty="0">
+                <a:ln>
+                  <a:noFill/>
+                </a:ln>
+                <a:solidFill>
+                  <a:schemeClr val="tx1"/>
+                </a:solidFill>
+                <a:effectLst/>
+                <a:latin typeface="Arial" panose="020B0604020202020204" pitchFamily="34" charset="0"/>
+                <a:ea typeface="Calibri" panose="020F0502020204030204" pitchFamily="34" charset="0"/>
+                <a:cs typeface="Arial" panose="020B0604020202020204" pitchFamily="34" charset="0"/>
+                <a:hlinkClick r:id="rId3"/>
+              </a:rPr>
+              <a:t>https://www.blueprintsys.com/agile-development-101/agile-methodologies</a:t>
+            </a:r>
+            <a:endParaRPr kumimoji="0" lang="en-NZ" altLang="en-US" b="0" i="0" u="none" strike="noStrike" cap="none" normalizeH="0" baseline="0" dirty="0">
+              <a:ln>
+                <a:noFill/>
+              </a:ln>
+              <a:solidFill>
+                <a:schemeClr val="tx1"/>
+              </a:solidFill>
+              <a:effectLst/>
+              <a:latin typeface="Arial" panose="020B0604020202020204" pitchFamily="34" charset="0"/>
+              <a:ea typeface="Calibri" panose="020F0502020204030204" pitchFamily="34" charset="0"/>
+              <a:cs typeface="Arial" panose="020B0604020202020204" pitchFamily="34" charset="0"/>
+            </a:endParaRPr>
+          </a:p>
+          <a:p>
+            <a:pPr marL="0" marR="0" lvl="0" indent="0" algn="l" defTabSz="914400" rtl="0" eaLnBrk="0" fontAlgn="base" latinLnBrk="0" hangingPunct="0">
+              <a:lnSpc>
+                <a:spcPct val="100000"/>
+              </a:lnSpc>
+              <a:spcBef>
+                <a:spcPct val="0"/>
+              </a:spcBef>
+              <a:spcAft>
+                <a:spcPct val="0"/>
+              </a:spcAft>
+              <a:buClrTx/>
+              <a:buSzTx/>
+              <a:buFontTx/>
+              <a:buNone/>
+              <a:tabLst/>
+            </a:pPr>
+            <a:endParaRPr kumimoji="0" lang="en-NZ" altLang="en-US" sz="1100" b="0" i="0" u="none" strike="noStrike" cap="none" normalizeH="0" baseline="0" dirty="0">
+              <a:ln>
+                <a:noFill/>
+              </a:ln>
+              <a:solidFill>
+                <a:schemeClr val="tx1"/>
+              </a:solidFill>
+              <a:effectLst/>
+            </a:endParaRPr>
+          </a:p>
+          <a:p>
+            <a:pPr marL="0" marR="0" lvl="0" indent="0" algn="l" defTabSz="914400" rtl="0" eaLnBrk="0" fontAlgn="base" latinLnBrk="0" hangingPunct="0">
+              <a:lnSpc>
+                <a:spcPct val="100000"/>
+              </a:lnSpc>
+              <a:spcBef>
+                <a:spcPct val="0"/>
+              </a:spcBef>
+              <a:spcAft>
+                <a:spcPct val="0"/>
+              </a:spcAft>
+              <a:buClrTx/>
+              <a:buSzTx/>
+              <a:buFontTx/>
+              <a:buNone/>
+              <a:tabLst/>
+            </a:pPr>
+            <a:r>
+              <a:rPr kumimoji="0" lang="en-NZ" altLang="en-US" b="0" i="0" u="none" strike="noStrike" cap="none" normalizeH="0" baseline="0" dirty="0">
+                <a:ln>
+                  <a:noFill/>
+                </a:ln>
+                <a:solidFill>
+                  <a:srgbClr val="7030A0"/>
+                </a:solidFill>
+                <a:effectLst/>
+                <a:latin typeface="Arial" panose="020B0604020202020204" pitchFamily="34" charset="0"/>
+                <a:ea typeface="Calibri" panose="020F0502020204030204" pitchFamily="34" charset="0"/>
+                <a:cs typeface="Arial" panose="020B0604020202020204" pitchFamily="34" charset="0"/>
+              </a:rPr>
+              <a:t>HIBOX. (2019). </a:t>
+            </a:r>
+            <a:r>
+              <a:rPr kumimoji="0" lang="en-NZ" altLang="en-US" b="0" i="1" u="none" strike="noStrike" cap="none" normalizeH="0" baseline="0" dirty="0">
+                <a:ln>
+                  <a:noFill/>
+                </a:ln>
+                <a:solidFill>
+                  <a:srgbClr val="7030A0"/>
+                </a:solidFill>
+                <a:effectLst/>
+                <a:latin typeface="Arial" panose="020B0604020202020204" pitchFamily="34" charset="0"/>
+                <a:ea typeface="Calibri" panose="020F0502020204030204" pitchFamily="34" charset="0"/>
+                <a:cs typeface="Arial" panose="020B0604020202020204" pitchFamily="34" charset="0"/>
+              </a:rPr>
+              <a:t>HI box</a:t>
+            </a:r>
+            <a:r>
+              <a:rPr kumimoji="0" lang="en-NZ" altLang="en-US" b="0" i="0" u="none" strike="noStrike" cap="none" normalizeH="0" baseline="0" dirty="0">
+                <a:ln>
+                  <a:noFill/>
+                </a:ln>
+                <a:solidFill>
+                  <a:srgbClr val="7030A0"/>
+                </a:solidFill>
+                <a:effectLst/>
+                <a:latin typeface="Arial" panose="020B0604020202020204" pitchFamily="34" charset="0"/>
+                <a:ea typeface="Calibri" panose="020F0502020204030204" pitchFamily="34" charset="0"/>
+                <a:cs typeface="Arial" panose="020B0604020202020204" pitchFamily="34" charset="0"/>
+              </a:rPr>
+              <a:t>. Retrieved 30/05/2019, from </a:t>
+            </a:r>
+            <a:r>
+              <a:rPr kumimoji="0" lang="en-NZ" altLang="en-US" b="0" i="0" u="none" strike="noStrike" cap="none" normalizeH="0" baseline="0" dirty="0">
+                <a:ln>
+                  <a:noFill/>
+                </a:ln>
+                <a:solidFill>
+                  <a:srgbClr val="7030A0"/>
+                </a:solidFill>
+                <a:effectLst/>
+                <a:latin typeface="Arial" panose="020B0604020202020204" pitchFamily="34" charset="0"/>
+                <a:ea typeface="Calibri" panose="020F0502020204030204" pitchFamily="34" charset="0"/>
+                <a:cs typeface="Arial" panose="020B0604020202020204" pitchFamily="34" charset="0"/>
+                <a:hlinkClick r:id="rId4"/>
+              </a:rPr>
+              <a:t>https://www.hibox.tv/Hotel-Housekeeping-System.shtml</a:t>
+            </a:r>
+            <a:endParaRPr kumimoji="0" lang="en-NZ" altLang="en-US" b="0" i="0" u="none" strike="noStrike" cap="none" normalizeH="0" baseline="0" dirty="0">
+              <a:ln>
+                <a:noFill/>
+              </a:ln>
+              <a:solidFill>
+                <a:srgbClr val="7030A0"/>
+              </a:solidFill>
+              <a:effectLst/>
+              <a:latin typeface="Arial" panose="020B0604020202020204" pitchFamily="34" charset="0"/>
+              <a:ea typeface="Calibri" panose="020F0502020204030204" pitchFamily="34" charset="0"/>
+              <a:cs typeface="Arial" panose="020B0604020202020204" pitchFamily="34" charset="0"/>
+            </a:endParaRPr>
+          </a:p>
+          <a:p>
+            <a:pPr marL="0" marR="0" lvl="0" indent="0" algn="l" defTabSz="914400" rtl="0" eaLnBrk="0" fontAlgn="base" latinLnBrk="0" hangingPunct="0">
+              <a:lnSpc>
+                <a:spcPct val="100000"/>
+              </a:lnSpc>
+              <a:spcBef>
+                <a:spcPct val="0"/>
+              </a:spcBef>
+              <a:spcAft>
+                <a:spcPct val="0"/>
+              </a:spcAft>
+              <a:buClrTx/>
+              <a:buSzTx/>
+              <a:buFontTx/>
+              <a:buNone/>
+              <a:tabLst/>
+            </a:pPr>
+            <a:endParaRPr kumimoji="0" lang="en-NZ" altLang="en-US" sz="1100" b="0" i="0" u="none" strike="noStrike" cap="none" normalizeH="0" baseline="0" dirty="0">
+              <a:ln>
+                <a:noFill/>
+              </a:ln>
+              <a:solidFill>
+                <a:schemeClr val="tx1"/>
+              </a:solidFill>
+              <a:effectLst/>
+            </a:endParaRPr>
+          </a:p>
+          <a:p>
+            <a:pPr marL="0" marR="0" lvl="0" indent="0" algn="l" defTabSz="914400" rtl="0" eaLnBrk="0" fontAlgn="base" latinLnBrk="0" hangingPunct="0">
+              <a:lnSpc>
+                <a:spcPct val="100000"/>
+              </a:lnSpc>
+              <a:spcBef>
+                <a:spcPct val="0"/>
+              </a:spcBef>
+              <a:spcAft>
+                <a:spcPct val="0"/>
+              </a:spcAft>
+              <a:buClrTx/>
+              <a:buSzTx/>
+              <a:buFontTx/>
+              <a:buNone/>
+              <a:tabLst/>
+            </a:pPr>
+            <a:r>
+              <a:rPr kumimoji="0" lang="en-NZ" altLang="en-US" b="0" i="0" u="none" strike="noStrike" cap="none" normalizeH="0" baseline="0" dirty="0" err="1">
+                <a:ln>
+                  <a:noFill/>
+                </a:ln>
+                <a:solidFill>
+                  <a:srgbClr val="7030A0"/>
+                </a:solidFill>
+                <a:effectLst/>
+                <a:latin typeface="Arial" panose="020B0604020202020204" pitchFamily="34" charset="0"/>
+                <a:ea typeface="Calibri" panose="020F0502020204030204" pitchFamily="34" charset="0"/>
+                <a:cs typeface="Arial" panose="020B0604020202020204" pitchFamily="34" charset="0"/>
+              </a:rPr>
+              <a:t>HotelFriend</a:t>
+            </a:r>
+            <a:r>
+              <a:rPr kumimoji="0" lang="en-NZ" altLang="en-US" b="0" i="0" u="none" strike="noStrike" cap="none" normalizeH="0" baseline="0" dirty="0">
+                <a:ln>
+                  <a:noFill/>
+                </a:ln>
+                <a:solidFill>
+                  <a:srgbClr val="7030A0"/>
+                </a:solidFill>
+                <a:effectLst/>
+                <a:latin typeface="Arial" panose="020B0604020202020204" pitchFamily="34" charset="0"/>
+                <a:ea typeface="Calibri" panose="020F0502020204030204" pitchFamily="34" charset="0"/>
+                <a:cs typeface="Arial" panose="020B0604020202020204" pitchFamily="34" charset="0"/>
+              </a:rPr>
+              <a:t> AG. (2019). </a:t>
+            </a:r>
+            <a:r>
+              <a:rPr kumimoji="0" lang="en-NZ" altLang="en-US" b="0" i="1" u="none" strike="noStrike" cap="none" normalizeH="0" baseline="0" dirty="0">
+                <a:ln>
+                  <a:noFill/>
+                </a:ln>
+                <a:solidFill>
+                  <a:srgbClr val="7030A0"/>
+                </a:solidFill>
+                <a:effectLst/>
+                <a:latin typeface="Arial" panose="020B0604020202020204" pitchFamily="34" charset="0"/>
+                <a:ea typeface="Calibri" panose="020F0502020204030204" pitchFamily="34" charset="0"/>
+                <a:cs typeface="Arial" panose="020B0604020202020204" pitchFamily="34" charset="0"/>
+              </a:rPr>
+              <a:t>About US </a:t>
+            </a:r>
+            <a:r>
+              <a:rPr kumimoji="0" lang="en-NZ" altLang="en-US" b="0" i="0" u="none" strike="noStrike" cap="none" normalizeH="0" baseline="0" dirty="0">
+                <a:ln>
+                  <a:noFill/>
+                </a:ln>
+                <a:solidFill>
+                  <a:srgbClr val="7030A0"/>
+                </a:solidFill>
+                <a:effectLst/>
+                <a:latin typeface="Arial" panose="020B0604020202020204" pitchFamily="34" charset="0"/>
+                <a:ea typeface="Calibri" panose="020F0502020204030204" pitchFamily="34" charset="0"/>
+                <a:cs typeface="Arial" panose="020B0604020202020204" pitchFamily="34" charset="0"/>
+              </a:rPr>
+              <a:t>. Retrieved from </a:t>
+            </a:r>
+            <a:r>
+              <a:rPr kumimoji="0" lang="en-NZ" altLang="en-US" b="0" i="0" u="none" strike="noStrike" cap="none" normalizeH="0" baseline="0" dirty="0" err="1">
+                <a:ln>
+                  <a:noFill/>
+                </a:ln>
+                <a:solidFill>
+                  <a:srgbClr val="7030A0"/>
+                </a:solidFill>
+                <a:effectLst/>
+                <a:latin typeface="Arial" panose="020B0604020202020204" pitchFamily="34" charset="0"/>
+                <a:ea typeface="Calibri" panose="020F0502020204030204" pitchFamily="34" charset="0"/>
+                <a:cs typeface="Arial" panose="020B0604020202020204" pitchFamily="34" charset="0"/>
+              </a:rPr>
+              <a:t>HotelFriend</a:t>
+            </a:r>
+            <a:r>
+              <a:rPr kumimoji="0" lang="en-NZ" altLang="en-US" b="0" i="0" u="none" strike="noStrike" cap="none" normalizeH="0" baseline="0" dirty="0">
+                <a:ln>
+                  <a:noFill/>
+                </a:ln>
+                <a:solidFill>
+                  <a:srgbClr val="7030A0"/>
+                </a:solidFill>
+                <a:effectLst/>
+                <a:latin typeface="Arial" panose="020B0604020202020204" pitchFamily="34" charset="0"/>
+                <a:ea typeface="Calibri" panose="020F0502020204030204" pitchFamily="34" charset="0"/>
+                <a:cs typeface="Arial" panose="020B0604020202020204" pitchFamily="34" charset="0"/>
+              </a:rPr>
+              <a:t>: </a:t>
+            </a:r>
+            <a:r>
+              <a:rPr kumimoji="0" lang="en-NZ" altLang="en-US" b="0" i="0" u="none" strike="noStrike" cap="none" normalizeH="0" baseline="0" dirty="0">
+                <a:ln>
+                  <a:noFill/>
+                </a:ln>
+                <a:solidFill>
+                  <a:schemeClr val="tx1"/>
+                </a:solidFill>
+                <a:effectLst/>
+                <a:latin typeface="Arial" panose="020B0604020202020204" pitchFamily="34" charset="0"/>
+                <a:ea typeface="Calibri" panose="020F0502020204030204" pitchFamily="34" charset="0"/>
+                <a:cs typeface="Arial" panose="020B0604020202020204" pitchFamily="34" charset="0"/>
+                <a:hlinkClick r:id="rId5"/>
+              </a:rPr>
+              <a:t>https://hotelfriend.com</a:t>
+            </a:r>
+            <a:endParaRPr kumimoji="0" lang="en-NZ" altLang="en-US" b="0" i="0" u="none" strike="noStrike" cap="none" normalizeH="0" baseline="0" dirty="0">
+              <a:ln>
+                <a:noFill/>
+              </a:ln>
+              <a:solidFill>
+                <a:schemeClr val="tx1"/>
+              </a:solidFill>
+              <a:effectLst/>
+              <a:latin typeface="Arial" panose="020B0604020202020204" pitchFamily="34" charset="0"/>
+              <a:ea typeface="Calibri" panose="020F0502020204030204" pitchFamily="34" charset="0"/>
+              <a:cs typeface="Arial" panose="020B0604020202020204" pitchFamily="34" charset="0"/>
+            </a:endParaRPr>
+          </a:p>
+          <a:p>
+            <a:pPr marL="0" marR="0" lvl="0" indent="0" algn="l" defTabSz="914400" rtl="0" eaLnBrk="0" fontAlgn="base" latinLnBrk="0" hangingPunct="0">
+              <a:lnSpc>
+                <a:spcPct val="100000"/>
+              </a:lnSpc>
+              <a:spcBef>
+                <a:spcPct val="0"/>
+              </a:spcBef>
+              <a:spcAft>
+                <a:spcPct val="0"/>
+              </a:spcAft>
+              <a:buClrTx/>
+              <a:buSzTx/>
+              <a:buFontTx/>
+              <a:buNone/>
+              <a:tabLst/>
+            </a:pPr>
+            <a:endParaRPr kumimoji="0" lang="en-NZ" altLang="en-US" sz="1100" b="0" i="0" u="none" strike="noStrike" cap="none" normalizeH="0" baseline="0" dirty="0">
+              <a:ln>
+                <a:noFill/>
+              </a:ln>
+              <a:solidFill>
+                <a:schemeClr val="tx1"/>
+              </a:solidFill>
+              <a:effectLst/>
+            </a:endParaRPr>
+          </a:p>
+          <a:p>
+            <a:pPr marL="0" marR="0" lvl="0" indent="0" algn="l" defTabSz="914400" rtl="0" eaLnBrk="0" fontAlgn="base" latinLnBrk="0" hangingPunct="0">
+              <a:lnSpc>
+                <a:spcPct val="100000"/>
+              </a:lnSpc>
+              <a:spcBef>
+                <a:spcPct val="0"/>
+              </a:spcBef>
+              <a:spcAft>
+                <a:spcPct val="0"/>
+              </a:spcAft>
+              <a:buClrTx/>
+              <a:buSzTx/>
+              <a:buFontTx/>
+              <a:buNone/>
+              <a:tabLst/>
+            </a:pPr>
+            <a:r>
+              <a:rPr kumimoji="0" lang="en-NZ" altLang="en-US" b="0" i="0" u="none" strike="noStrike" cap="none" normalizeH="0" baseline="0" dirty="0" err="1">
+                <a:ln>
+                  <a:noFill/>
+                </a:ln>
+                <a:solidFill>
+                  <a:srgbClr val="7030A0"/>
+                </a:solidFill>
+                <a:effectLst/>
+                <a:latin typeface="Arial" panose="020B0604020202020204" pitchFamily="34" charset="0"/>
+                <a:ea typeface="Calibri" panose="020F0502020204030204" pitchFamily="34" charset="0"/>
+                <a:cs typeface="Arial" panose="020B0604020202020204" pitchFamily="34" charset="0"/>
+              </a:rPr>
+              <a:t>Ivanović</a:t>
+            </a:r>
+            <a:r>
+              <a:rPr kumimoji="0" lang="en-NZ" altLang="en-US" b="0" i="0" u="none" strike="noStrike" cap="none" normalizeH="0" baseline="0" dirty="0">
+                <a:ln>
+                  <a:noFill/>
+                </a:ln>
+                <a:solidFill>
+                  <a:srgbClr val="7030A0"/>
+                </a:solidFill>
+                <a:effectLst/>
+                <a:latin typeface="Arial" panose="020B0604020202020204" pitchFamily="34" charset="0"/>
+                <a:ea typeface="Calibri" panose="020F0502020204030204" pitchFamily="34" charset="0"/>
+                <a:cs typeface="Arial" panose="020B0604020202020204" pitchFamily="34" charset="0"/>
+              </a:rPr>
+              <a:t>, S. &amp;. (2008). </a:t>
+            </a:r>
+            <a:r>
+              <a:rPr kumimoji="0" lang="en-NZ" altLang="en-US" b="0" i="1" u="none" strike="noStrike" cap="none" normalizeH="0" baseline="0" dirty="0">
+                <a:ln>
+                  <a:noFill/>
+                </a:ln>
+                <a:solidFill>
+                  <a:srgbClr val="7030A0"/>
+                </a:solidFill>
+                <a:effectLst/>
+                <a:latin typeface="Arial" panose="020B0604020202020204" pitchFamily="34" charset="0"/>
+                <a:ea typeface="Calibri" panose="020F0502020204030204" pitchFamily="34" charset="0"/>
+                <a:cs typeface="Arial" panose="020B0604020202020204" pitchFamily="34" charset="0"/>
+              </a:rPr>
+              <a:t>HUMAN RESOURCE MANAGEMENT IN THE HOSPITALITY INDUSTRY.</a:t>
+            </a:r>
+            <a:r>
+              <a:rPr kumimoji="0" lang="en-NZ" altLang="en-US" b="0" i="0" u="none" strike="noStrike" cap="none" normalizeH="0" baseline="0" dirty="0">
+                <a:ln>
+                  <a:noFill/>
+                </a:ln>
+                <a:solidFill>
+                  <a:srgbClr val="7030A0"/>
+                </a:solidFill>
+                <a:effectLst/>
+                <a:latin typeface="Arial" panose="020B0604020202020204" pitchFamily="34" charset="0"/>
+                <a:ea typeface="Calibri" panose="020F0502020204030204" pitchFamily="34" charset="0"/>
+                <a:cs typeface="Arial" panose="020B0604020202020204" pitchFamily="34" charset="0"/>
+              </a:rPr>
+              <a:t> Croatia.</a:t>
+            </a:r>
+          </a:p>
+          <a:p>
+            <a:pPr marL="0" marR="0" lvl="0" indent="0" algn="l" defTabSz="914400" rtl="0" eaLnBrk="0" fontAlgn="base" latinLnBrk="0" hangingPunct="0">
+              <a:lnSpc>
+                <a:spcPct val="100000"/>
+              </a:lnSpc>
+              <a:spcBef>
+                <a:spcPct val="0"/>
+              </a:spcBef>
+              <a:spcAft>
+                <a:spcPct val="0"/>
+              </a:spcAft>
+              <a:buClrTx/>
+              <a:buSzTx/>
+              <a:buFontTx/>
+              <a:buNone/>
+              <a:tabLst/>
+            </a:pPr>
+            <a:endParaRPr kumimoji="0" lang="en-NZ" altLang="en-US" sz="1100" b="0" i="0" u="none" strike="noStrike" cap="none" normalizeH="0" baseline="0" dirty="0">
+              <a:ln>
+                <a:noFill/>
+              </a:ln>
+              <a:solidFill>
+                <a:schemeClr val="tx1"/>
+              </a:solidFill>
+              <a:effectLst/>
+            </a:endParaRPr>
+          </a:p>
+          <a:p>
+            <a:pPr marL="0" marR="0" lvl="0" indent="0" algn="l" defTabSz="914400" rtl="0" eaLnBrk="0" fontAlgn="base" latinLnBrk="0" hangingPunct="0">
+              <a:lnSpc>
+                <a:spcPct val="100000"/>
+              </a:lnSpc>
+              <a:spcBef>
+                <a:spcPct val="0"/>
+              </a:spcBef>
+              <a:spcAft>
+                <a:spcPct val="0"/>
+              </a:spcAft>
+              <a:buClrTx/>
+              <a:buSzTx/>
+              <a:buFontTx/>
+              <a:buNone/>
+              <a:tabLst/>
+            </a:pPr>
+            <a:r>
+              <a:rPr kumimoji="0" lang="en-NZ" altLang="en-US" b="0" i="0" u="none" strike="noStrike" cap="none" normalizeH="0" baseline="0" dirty="0" err="1">
+                <a:ln>
+                  <a:noFill/>
+                </a:ln>
+                <a:solidFill>
+                  <a:srgbClr val="7030A0"/>
+                </a:solidFill>
+                <a:effectLst/>
+                <a:latin typeface="Arial" panose="020B0604020202020204" pitchFamily="34" charset="0"/>
+                <a:ea typeface="Calibri" panose="020F0502020204030204" pitchFamily="34" charset="0"/>
+                <a:cs typeface="Arial" panose="020B0604020202020204" pitchFamily="34" charset="0"/>
+              </a:rPr>
+              <a:t>Knowcross</a:t>
+            </a:r>
+            <a:r>
+              <a:rPr kumimoji="0" lang="en-NZ" altLang="en-US" b="0" i="0" u="none" strike="noStrike" cap="none" normalizeH="0" baseline="0" dirty="0">
+                <a:ln>
+                  <a:noFill/>
+                </a:ln>
+                <a:solidFill>
+                  <a:srgbClr val="7030A0"/>
+                </a:solidFill>
+                <a:effectLst/>
+                <a:latin typeface="Arial" panose="020B0604020202020204" pitchFamily="34" charset="0"/>
+                <a:ea typeface="Calibri" panose="020F0502020204030204" pitchFamily="34" charset="0"/>
+                <a:cs typeface="Arial" panose="020B0604020202020204" pitchFamily="34" charset="0"/>
+              </a:rPr>
+              <a:t>. (2019). </a:t>
+            </a:r>
+            <a:r>
+              <a:rPr kumimoji="0" lang="en-NZ" altLang="en-US" b="0" i="1" u="none" strike="noStrike" cap="none" normalizeH="0" baseline="0" dirty="0">
+                <a:ln>
+                  <a:noFill/>
+                </a:ln>
+                <a:solidFill>
+                  <a:srgbClr val="7030A0"/>
+                </a:solidFill>
+                <a:effectLst/>
+                <a:latin typeface="Arial" panose="020B0604020202020204" pitchFamily="34" charset="0"/>
+                <a:ea typeface="Calibri" panose="020F0502020204030204" pitchFamily="34" charset="0"/>
+                <a:cs typeface="Arial" panose="020B0604020202020204" pitchFamily="34" charset="0"/>
+              </a:rPr>
+              <a:t>About Us</a:t>
+            </a:r>
+            <a:r>
+              <a:rPr kumimoji="0" lang="en-NZ" altLang="en-US" b="0" i="0" u="none" strike="noStrike" cap="none" normalizeH="0" baseline="0" dirty="0">
+                <a:ln>
+                  <a:noFill/>
+                </a:ln>
+                <a:solidFill>
+                  <a:srgbClr val="7030A0"/>
+                </a:solidFill>
+                <a:effectLst/>
+                <a:latin typeface="Arial" panose="020B0604020202020204" pitchFamily="34" charset="0"/>
+                <a:ea typeface="Calibri" panose="020F0502020204030204" pitchFamily="34" charset="0"/>
+                <a:cs typeface="Arial" panose="020B0604020202020204" pitchFamily="34" charset="0"/>
+              </a:rPr>
+              <a:t>. Retrieved 2019, from </a:t>
+            </a:r>
+            <a:r>
+              <a:rPr kumimoji="0" lang="en-NZ" altLang="en-US" b="0" i="0" u="none" strike="noStrike" cap="none" normalizeH="0" baseline="0" dirty="0" err="1">
+                <a:ln>
+                  <a:noFill/>
+                </a:ln>
+                <a:solidFill>
+                  <a:srgbClr val="7030A0"/>
+                </a:solidFill>
+                <a:effectLst/>
+                <a:latin typeface="Arial" panose="020B0604020202020204" pitchFamily="34" charset="0"/>
+                <a:ea typeface="Calibri" panose="020F0502020204030204" pitchFamily="34" charset="0"/>
+                <a:cs typeface="Arial" panose="020B0604020202020204" pitchFamily="34" charset="0"/>
+              </a:rPr>
+              <a:t>KnowCross</a:t>
+            </a:r>
+            <a:r>
+              <a:rPr kumimoji="0" lang="en-NZ" altLang="en-US" b="0" i="0" u="none" strike="noStrike" cap="none" normalizeH="0" baseline="0" dirty="0">
+                <a:ln>
+                  <a:noFill/>
+                </a:ln>
+                <a:solidFill>
+                  <a:srgbClr val="7030A0"/>
+                </a:solidFill>
+                <a:effectLst/>
+                <a:latin typeface="Arial" panose="020B0604020202020204" pitchFamily="34" charset="0"/>
+                <a:ea typeface="Calibri" panose="020F0502020204030204" pitchFamily="34" charset="0"/>
+                <a:cs typeface="Arial" panose="020B0604020202020204" pitchFamily="34" charset="0"/>
+              </a:rPr>
+              <a:t>: </a:t>
+            </a:r>
+            <a:r>
+              <a:rPr kumimoji="0" lang="en-NZ" altLang="en-US" b="0" i="0" u="none" strike="noStrike" cap="none" normalizeH="0" baseline="0" dirty="0">
+                <a:ln>
+                  <a:noFill/>
+                </a:ln>
+                <a:solidFill>
+                  <a:srgbClr val="7030A0"/>
+                </a:solidFill>
+                <a:effectLst/>
+                <a:latin typeface="Arial" panose="020B0604020202020204" pitchFamily="34" charset="0"/>
+                <a:ea typeface="Calibri" panose="020F0502020204030204" pitchFamily="34" charset="0"/>
+                <a:cs typeface="Arial" panose="020B0604020202020204" pitchFamily="34" charset="0"/>
+                <a:hlinkClick r:id="rId6"/>
+              </a:rPr>
+              <a:t>https://knowcross.com/</a:t>
+            </a:r>
+            <a:endParaRPr kumimoji="0" lang="en-NZ" altLang="en-US" b="0" i="0" u="none" strike="noStrike" cap="none" normalizeH="0" baseline="0" dirty="0">
+              <a:ln>
+                <a:noFill/>
+              </a:ln>
+              <a:solidFill>
+                <a:srgbClr val="7030A0"/>
+              </a:solidFill>
+              <a:effectLst/>
+              <a:latin typeface="Arial" panose="020B0604020202020204" pitchFamily="34" charset="0"/>
+              <a:ea typeface="Calibri" panose="020F0502020204030204" pitchFamily="34" charset="0"/>
+              <a:cs typeface="Arial" panose="020B0604020202020204" pitchFamily="34" charset="0"/>
+            </a:endParaRPr>
+          </a:p>
+          <a:p>
+            <a:pPr marL="0" marR="0" lvl="0" indent="0" algn="l" defTabSz="914400" rtl="0" eaLnBrk="0" fontAlgn="base" latinLnBrk="0" hangingPunct="0">
+              <a:lnSpc>
+                <a:spcPct val="100000"/>
+              </a:lnSpc>
+              <a:spcBef>
+                <a:spcPct val="0"/>
+              </a:spcBef>
+              <a:spcAft>
+                <a:spcPct val="0"/>
+              </a:spcAft>
+              <a:buClrTx/>
+              <a:buSzTx/>
+              <a:buFontTx/>
+              <a:buNone/>
+              <a:tabLst/>
+            </a:pPr>
+            <a:endParaRPr kumimoji="0" lang="en-NZ" altLang="en-US" sz="1100" b="0" i="0" u="none" strike="noStrike" cap="none" normalizeH="0" baseline="0" dirty="0">
+              <a:ln>
+                <a:noFill/>
+              </a:ln>
+              <a:solidFill>
+                <a:schemeClr val="tx1"/>
+              </a:solidFill>
+              <a:effectLst/>
+            </a:endParaRPr>
+          </a:p>
+          <a:p>
+            <a:pPr marL="0" marR="0" lvl="0" indent="0" algn="l" defTabSz="914400" rtl="0" eaLnBrk="0" fontAlgn="base" latinLnBrk="0" hangingPunct="0">
+              <a:lnSpc>
+                <a:spcPct val="100000"/>
+              </a:lnSpc>
+              <a:spcBef>
+                <a:spcPct val="0"/>
+              </a:spcBef>
+              <a:spcAft>
+                <a:spcPct val="0"/>
+              </a:spcAft>
+              <a:buClrTx/>
+              <a:buSzTx/>
+              <a:buFontTx/>
+              <a:buNone/>
+              <a:tabLst/>
+            </a:pPr>
+            <a:r>
+              <a:rPr kumimoji="0" lang="en-US" altLang="en-US" b="0" i="0" u="none" strike="noStrike" cap="none" normalizeH="0" baseline="0" dirty="0">
+                <a:ln>
+                  <a:noFill/>
+                </a:ln>
+                <a:solidFill>
+                  <a:srgbClr val="0070C0"/>
+                </a:solidFill>
+                <a:effectLst/>
+                <a:latin typeface="Arial" panose="020B0604020202020204" pitchFamily="34" charset="0"/>
+                <a:ea typeface="Calibri" panose="020F0502020204030204" pitchFamily="34" charset="0"/>
+                <a:cs typeface="Arial" panose="020B0604020202020204" pitchFamily="34" charset="0"/>
+              </a:rPr>
+              <a:t>Taylor, D. (2018, Jan 2nd). </a:t>
+            </a:r>
+            <a:r>
+              <a:rPr kumimoji="0" lang="en-US" altLang="en-US" b="0" i="1" u="none" strike="noStrike" cap="none" normalizeH="0" baseline="0" dirty="0">
+                <a:ln>
+                  <a:noFill/>
+                </a:ln>
+                <a:solidFill>
+                  <a:srgbClr val="0070C0"/>
+                </a:solidFill>
+                <a:effectLst/>
+                <a:latin typeface="Arial" panose="020B0604020202020204" pitchFamily="34" charset="0"/>
+                <a:ea typeface="Calibri" panose="020F0502020204030204" pitchFamily="34" charset="0"/>
+                <a:cs typeface="Arial" panose="020B0604020202020204" pitchFamily="34" charset="0"/>
+              </a:rPr>
+              <a:t>The 11 Most Popular Hotel Management Software Solutions for Small Hotels Compared</a:t>
+            </a:r>
+            <a:r>
+              <a:rPr kumimoji="0" lang="en-US" altLang="en-US" b="0" i="0" u="none" strike="noStrike" cap="none" normalizeH="0" baseline="0" dirty="0">
+                <a:ln>
+                  <a:noFill/>
+                </a:ln>
+                <a:solidFill>
+                  <a:srgbClr val="0070C0"/>
+                </a:solidFill>
+                <a:effectLst/>
+                <a:latin typeface="Arial" panose="020B0604020202020204" pitchFamily="34" charset="0"/>
+                <a:ea typeface="Calibri" panose="020F0502020204030204" pitchFamily="34" charset="0"/>
+                <a:cs typeface="Arial" panose="020B0604020202020204" pitchFamily="34" charset="0"/>
+              </a:rPr>
+              <a:t>. Retrieved from Capterra: </a:t>
+            </a:r>
+            <a:r>
+              <a:rPr kumimoji="0" lang="en-US" altLang="en-US" b="0" i="0" u="none" strike="noStrike" cap="none" normalizeH="0" baseline="0" dirty="0">
+                <a:ln>
+                  <a:noFill/>
+                </a:ln>
+                <a:solidFill>
+                  <a:srgbClr val="0070C0"/>
+                </a:solidFill>
+                <a:effectLst/>
+                <a:latin typeface="Arial" panose="020B0604020202020204" pitchFamily="34" charset="0"/>
+                <a:ea typeface="Calibri" panose="020F0502020204030204" pitchFamily="34" charset="0"/>
+                <a:cs typeface="Arial" panose="020B0604020202020204" pitchFamily="34" charset="0"/>
+                <a:hlinkClick r:id="rId7"/>
+              </a:rPr>
+              <a:t>https://blog.capterra.com/the-5-most-popular-hotel-management-software-solutions-for-small-hotels-compared/</a:t>
+            </a:r>
+            <a:endParaRPr kumimoji="0" lang="en-US" altLang="en-US" b="0" i="0" u="none" strike="noStrike" cap="none" normalizeH="0" baseline="0" dirty="0">
+              <a:ln>
+                <a:noFill/>
+              </a:ln>
+              <a:solidFill>
+                <a:srgbClr val="0070C0"/>
+              </a:solidFill>
+              <a:effectLst/>
+              <a:latin typeface="Arial" panose="020B0604020202020204" pitchFamily="34" charset="0"/>
+              <a:ea typeface="Calibri" panose="020F0502020204030204" pitchFamily="34" charset="0"/>
+              <a:cs typeface="Arial" panose="020B0604020202020204" pitchFamily="34" charset="0"/>
+            </a:endParaRPr>
+          </a:p>
+          <a:p>
+            <a:pPr marL="0" marR="0" lvl="0" indent="0" algn="l" defTabSz="914400" rtl="0" eaLnBrk="0" fontAlgn="base" latinLnBrk="0" hangingPunct="0">
+              <a:lnSpc>
+                <a:spcPct val="100000"/>
+              </a:lnSpc>
+              <a:spcBef>
+                <a:spcPct val="0"/>
+              </a:spcBef>
+              <a:spcAft>
+                <a:spcPct val="0"/>
+              </a:spcAft>
+              <a:buClrTx/>
+              <a:buSzTx/>
+              <a:buFontTx/>
+              <a:buNone/>
+              <a:tabLst/>
+            </a:pPr>
+            <a:endParaRPr kumimoji="0" lang="en-NZ" altLang="en-US" sz="1100" b="0" i="0" u="none" strike="noStrike" cap="none" normalizeH="0" baseline="0" dirty="0">
+              <a:ln>
+                <a:noFill/>
+              </a:ln>
+              <a:solidFill>
+                <a:schemeClr val="tx1"/>
+              </a:solidFill>
+              <a:effectLst/>
+            </a:endParaRPr>
+          </a:p>
+          <a:p>
+            <a:pPr marL="0" marR="0" lvl="0" indent="0" algn="l" defTabSz="914400" rtl="0" eaLnBrk="0" fontAlgn="base" latinLnBrk="0" hangingPunct="0">
+              <a:lnSpc>
+                <a:spcPct val="100000"/>
+              </a:lnSpc>
+              <a:spcBef>
+                <a:spcPct val="0"/>
+              </a:spcBef>
+              <a:spcAft>
+                <a:spcPct val="0"/>
+              </a:spcAft>
+              <a:buClrTx/>
+              <a:buSzTx/>
+              <a:buFontTx/>
+              <a:buNone/>
+              <a:tabLst/>
+            </a:pPr>
+            <a:r>
+              <a:rPr kumimoji="0" lang="en-US" altLang="en-US" b="0" i="0" u="none" strike="noStrike" cap="none" normalizeH="0" baseline="0" dirty="0">
+                <a:ln>
+                  <a:noFill/>
+                </a:ln>
+                <a:solidFill>
+                  <a:srgbClr val="0070C0"/>
+                </a:solidFill>
+                <a:effectLst/>
+                <a:latin typeface="Arial" panose="020B0604020202020204" pitchFamily="34" charset="0"/>
+                <a:ea typeface="Calibri" panose="020F0502020204030204" pitchFamily="34" charset="0"/>
+                <a:cs typeface="Arial" panose="020B0604020202020204" pitchFamily="34" charset="0"/>
               </a:rPr>
               <a:t>USA, c. C.-(.-1. (2012). </a:t>
             </a:r>
             <a:r>
-              <a:rPr lang="en-US" sz="2700" i="1" cap="none" dirty="0">
-                <a:latin typeface="+mn-lt"/>
+              <a:rPr kumimoji="0" lang="en-US" altLang="en-US" b="0" i="1" u="none" strike="noStrike" cap="none" normalizeH="0" baseline="0" dirty="0" err="1">
+                <a:ln>
+                  <a:noFill/>
+                </a:ln>
+                <a:solidFill>
+                  <a:srgbClr val="0070C0"/>
+                </a:solidFill>
+                <a:effectLst/>
+                <a:latin typeface="Arial" panose="020B0604020202020204" pitchFamily="34" charset="0"/>
+                <a:ea typeface="Calibri" panose="020F0502020204030204" pitchFamily="34" charset="0"/>
+                <a:cs typeface="Arial" panose="020B0604020202020204" pitchFamily="34" charset="0"/>
               </a:rPr>
               <a:t>Cloudbeds</a:t>
             </a:r>
             <a:r>
-              <a:rPr lang="en-US" sz="2700" cap="none" dirty="0">
-                <a:latin typeface="+mn-lt"/>
-              </a:rPr>
-              <a:t>. Retrieved from capterra: https://www.Capterra.Com/p/158839/cloudbeds/</a:t>
-            </a:r>
-            <a:br>
-              <a:rPr lang="en-US" sz="2700" cap="none" dirty="0">
-                <a:latin typeface="+mn-lt"/>
-              </a:rPr>
-            </a:br>
-            <a:br>
-              <a:rPr lang="en-US" sz="2700" cap="none" dirty="0">
-                <a:latin typeface="+mn-lt"/>
-              </a:rPr>
-            </a:br>
-            <a:r>
-              <a:rPr lang="en-US" sz="2700" cap="none" dirty="0">
-                <a:latin typeface="+mn-lt"/>
-              </a:rPr>
-              <a:t>.</a:t>
-            </a:r>
-            <a:r>
-              <a:rPr lang="en-US" dirty="0"/>
-              <a:t> </a:t>
-            </a:r>
-            <a:r>
-              <a:rPr lang="en-US" sz="2700" cap="none" dirty="0">
-                <a:latin typeface="+mn-lt"/>
-              </a:rPr>
-              <a:t>Taylor, D. (2018, Jan 2nd). </a:t>
-            </a:r>
-            <a:r>
-              <a:rPr lang="en-US" sz="2700" i="1" cap="none" dirty="0">
-                <a:latin typeface="+mn-lt"/>
-              </a:rPr>
-              <a:t>The 11 most popular hotel management software solutions for small hotels compared</a:t>
-            </a:r>
-            <a:r>
-              <a:rPr lang="en-US" sz="2700" cap="none" dirty="0">
-                <a:latin typeface="+mn-lt"/>
-              </a:rPr>
-              <a:t>. Retrieved from capterra: https://blog.Capterra.Com/the-5-most-popular-hotel-management-software-solutions-for-small-hotels-compared/</a:t>
-            </a:r>
-            <a:br>
-              <a:rPr lang="en-NZ" dirty="0"/>
-            </a:br>
-            <a:br>
-              <a:rPr lang="en-NZ" dirty="0"/>
-            </a:br>
-            <a:br>
-              <a:rPr lang="en-NZ" cap="none" dirty="0">
+              <a:rPr kumimoji="0" lang="en-US" altLang="en-US" b="0" i="0" u="none" strike="noStrike" cap="none" normalizeH="0" baseline="0" dirty="0">
+                <a:ln>
+                  <a:noFill/>
+                </a:ln>
+                <a:solidFill>
+                  <a:srgbClr val="0070C0"/>
+                </a:solidFill>
                 <a:effectLst/>
-                <a:latin typeface="Calibri" panose="020F0502020204030204" pitchFamily="34" charset="0"/>
-                <a:cs typeface="Calibri" panose="020F0502020204030204" pitchFamily="34" charset="0"/>
-              </a:rPr>
-            </a:br>
-            <a:br>
-              <a:rPr lang="en-NZ" u="sng" cap="none" dirty="0">
-                <a:latin typeface="Calibri" panose="020F0502020204030204" pitchFamily="34" charset="0"/>
-                <a:cs typeface="Calibri" panose="020F0502020204030204" pitchFamily="34" charset="0"/>
-              </a:rPr>
-            </a:br>
-            <a:br>
-              <a:rPr lang="en-NZ" u="sng" dirty="0">
-                <a:latin typeface="Calibri" panose="020F0502020204030204" pitchFamily="34" charset="0"/>
-                <a:cs typeface="Calibri" panose="020F0502020204030204" pitchFamily="34" charset="0"/>
-              </a:rPr>
-            </a:br>
-            <a:br>
-              <a:rPr lang="en-NZ" u="sng" dirty="0">
-                <a:latin typeface="Calibri" panose="020F0502020204030204" pitchFamily="34" charset="0"/>
-                <a:cs typeface="Calibri" panose="020F0502020204030204" pitchFamily="34" charset="0"/>
-              </a:rPr>
-            </a:br>
-            <a:br>
-              <a:rPr lang="en-NZ" u="sng" dirty="0">
-                <a:latin typeface="Calibri" panose="020F0502020204030204" pitchFamily="34" charset="0"/>
-                <a:cs typeface="Calibri" panose="020F0502020204030204" pitchFamily="34" charset="0"/>
-              </a:rPr>
-            </a:br>
-            <a:br>
-              <a:rPr lang="en-NZ" dirty="0">
-                <a:latin typeface="Calibri" panose="020F0502020204030204" pitchFamily="34" charset="0"/>
-                <a:cs typeface="Calibri" panose="020F0502020204030204" pitchFamily="34" charset="0"/>
-              </a:rPr>
-            </a:br>
-            <a:br>
-              <a:rPr lang="en-NZ" dirty="0">
-                <a:latin typeface="Calibri" panose="020F0502020204030204" pitchFamily="34" charset="0"/>
-                <a:cs typeface="Calibri" panose="020F0502020204030204" pitchFamily="34" charset="0"/>
-              </a:rPr>
-            </a:br>
-            <a:br>
-              <a:rPr lang="en-NZ" dirty="0">
-                <a:latin typeface="Calibri" panose="020F0502020204030204" pitchFamily="34" charset="0"/>
-                <a:cs typeface="Calibri" panose="020F0502020204030204" pitchFamily="34" charset="0"/>
-              </a:rPr>
-            </a:br>
-            <a:br>
-              <a:rPr lang="en-NZ" dirty="0">
-                <a:latin typeface="Calibri" panose="020F0502020204030204" pitchFamily="34" charset="0"/>
-                <a:cs typeface="Calibri" panose="020F0502020204030204" pitchFamily="34" charset="0"/>
-              </a:rPr>
-            </a:br>
-            <a:br>
-              <a:rPr lang="en-NZ" dirty="0">
-                <a:latin typeface="Calibri" panose="020F0502020204030204" pitchFamily="34" charset="0"/>
-                <a:cs typeface="Calibri" panose="020F0502020204030204" pitchFamily="34" charset="0"/>
-              </a:rPr>
-            </a:br>
-            <a:br>
-              <a:rPr lang="en-NZ" cap="none" dirty="0">
-                <a:latin typeface="Calibri" panose="020F0502020204030204" pitchFamily="34" charset="0"/>
-                <a:cs typeface="Calibri" panose="020F0502020204030204" pitchFamily="34" charset="0"/>
-              </a:rPr>
-            </a:br>
-            <a:r>
-              <a:rPr lang="en-NZ" dirty="0">
-                <a:latin typeface="Calibri" panose="020F0502020204030204" pitchFamily="34" charset="0"/>
-                <a:cs typeface="Calibri" panose="020F0502020204030204" pitchFamily="34" charset="0"/>
-              </a:rPr>
-              <a:t> </a:t>
-            </a:r>
-            <a:br>
-              <a:rPr lang="en-NZ" cap="none" dirty="0">
-                <a:latin typeface="Calibri" panose="020F0502020204030204" pitchFamily="34" charset="0"/>
-                <a:cs typeface="Calibri" panose="020F0502020204030204" pitchFamily="34" charset="0"/>
-              </a:rPr>
-            </a:br>
-            <a:br>
-              <a:rPr lang="en-NZ" dirty="0">
-                <a:latin typeface="Calibri" panose="020F0502020204030204" pitchFamily="34" charset="0"/>
-                <a:cs typeface="Calibri" panose="020F0502020204030204" pitchFamily="34" charset="0"/>
-              </a:rPr>
-            </a:br>
-            <a:endParaRPr lang="en-NZ" dirty="0">
-              <a:latin typeface="Calibri" panose="020F0502020204030204" pitchFamily="34" charset="0"/>
-              <a:cs typeface="Calibri" panose="020F0502020204030204" pitchFamily="34" charset="0"/>
+                <a:latin typeface="Arial" panose="020B0604020202020204" pitchFamily="34" charset="0"/>
+                <a:ea typeface="Calibri" panose="020F0502020204030204" pitchFamily="34" charset="0"/>
+                <a:cs typeface="Arial" panose="020B0604020202020204" pitchFamily="34" charset="0"/>
+              </a:rPr>
+              <a:t>. Retrieved from Capterra: https://www.capterra.com/p/158839/Cloudbeds/</a:t>
+            </a:r>
+            <a:endParaRPr kumimoji="0" lang="en-US" altLang="en-US" sz="3200" b="0" i="0" u="none" strike="noStrike" cap="none" normalizeH="0" baseline="0" dirty="0">
+              <a:ln>
+                <a:noFill/>
+              </a:ln>
+              <a:solidFill>
+                <a:schemeClr val="tx1"/>
+              </a:solidFill>
+              <a:effectLst/>
+              <a:latin typeface="Arial" panose="020B0604020202020204" pitchFamily="34" charset="0"/>
             </a:endParaRPr>
           </a:p>
         </p:txBody>
@@ -9190,13 +10829,13 @@
           <p:nvPr/>
         </p:nvPicPr>
         <p:blipFill>
-          <a:blip r:embed="rId2">
+          <a:blip r:embed="rId3">
             <a:extLst>
               <a:ext uri="{28A0092B-C50C-407E-A947-70E740481C1C}">
                 <a14:useLocalDpi xmlns:a14="http://schemas.microsoft.com/office/drawing/2010/main" val="0"/>
               </a:ext>
               <a:ext uri="{96DAC541-7B7A-43D3-8B79-37D633B846F1}">
-                <asvg:svgBlip xmlns:asvg="http://schemas.microsoft.com/office/drawing/2016/SVG/main" r:embed="rId3"/>
+                <asvg:svgBlip xmlns:asvg="http://schemas.microsoft.com/office/drawing/2016/SVG/main" r:embed="rId4"/>
               </a:ext>
             </a:extLst>
           </a:blip>
@@ -10636,7 +12275,7 @@
               <a:t>HOTELFRIEND- </a:t>
             </a:r>
             <a:r>
-              <a:rPr lang="en-US" sz="2700" b="1" u="sng" cap="none" dirty="0">
+              <a:rPr lang="en-US" sz="2700" cap="none" dirty="0">
                 <a:latin typeface="+mn-lt"/>
                 <a:cs typeface="Times New Roman" panose="02020603050405020304" pitchFamily="18" charset="0"/>
               </a:rPr>
@@ -11509,6 +13148,91 @@
               <a:latin typeface="Calibri" panose="020F0502020204030204" pitchFamily="34" charset="0"/>
               <a:cs typeface="Calibri" panose="020F0502020204030204" pitchFamily="34" charset="0"/>
             </a:endParaRPr>
+          </a:p>
+        </p:txBody>
+      </p:sp>
+      <p:sp>
+        <p:nvSpPr>
+          <p:cNvPr id="2" name="TextBox 1">
+            <a:extLst>
+              <a:ext uri="{FF2B5EF4-FFF2-40B4-BE49-F238E27FC236}">
+                <a16:creationId xmlns:a16="http://schemas.microsoft.com/office/drawing/2014/main" id="{8FEAE70B-1D78-4747-B952-1059E7038006}"/>
+              </a:ext>
+            </a:extLst>
+          </p:cNvPr>
+          <p:cNvSpPr txBox="1"/>
+          <p:nvPr/>
+        </p:nvSpPr>
+        <p:spPr>
+          <a:xfrm>
+            <a:off x="269845" y="1690062"/>
+            <a:ext cx="11652308" cy="3477875"/>
+          </a:xfrm>
+          <a:prstGeom prst="rect">
+            <a:avLst/>
+          </a:prstGeom>
+          <a:noFill/>
+        </p:spPr>
+        <p:txBody>
+          <a:bodyPr wrap="square" rtlCol="0">
+            <a:spAutoFit/>
+          </a:bodyPr>
+          <a:lstStyle/>
+          <a:p>
+            <a:pPr algn="ctr"/>
+            <a:r>
+              <a:rPr lang="en-NZ" sz="2800" b="1" u="sng" dirty="0">
+                <a:latin typeface="Bahnschrift" panose="020B0502040204020203" pitchFamily="34" charset="0"/>
+              </a:rPr>
+              <a:t>AGILE</a:t>
+            </a:r>
+          </a:p>
+          <a:p>
+            <a:pPr marL="342900" indent="-342900">
+              <a:buFont typeface="Arial" panose="020B0604020202020204" pitchFamily="34" charset="0"/>
+              <a:buChar char="•"/>
+            </a:pPr>
+            <a:r>
+              <a:rPr lang="en-NZ" sz="2400" dirty="0">
+                <a:latin typeface="Bahnschrift" panose="020B0502040204020203" pitchFamily="34" charset="0"/>
+              </a:rPr>
+              <a:t>We have limited time </a:t>
+            </a:r>
+          </a:p>
+          <a:p>
+            <a:pPr marL="342900" indent="-342900">
+              <a:buFont typeface="Arial" panose="020B0604020202020204" pitchFamily="34" charset="0"/>
+              <a:buChar char="•"/>
+            </a:pPr>
+            <a:r>
+              <a:rPr lang="en-NZ" sz="2400" dirty="0">
+                <a:latin typeface="Bahnschrift" panose="020B0502040204020203" pitchFamily="34" charset="0"/>
+              </a:rPr>
+              <a:t>Require flexibility to change parts of our project as it goes through development. </a:t>
+            </a:r>
+          </a:p>
+          <a:p>
+            <a:endParaRPr lang="en-NZ" sz="2400" dirty="0">
+              <a:latin typeface="Bahnschrift" panose="020B0502040204020203" pitchFamily="34" charset="0"/>
+            </a:endParaRPr>
+          </a:p>
+          <a:p>
+            <a:endParaRPr lang="en-NZ" sz="2400" dirty="0">
+              <a:latin typeface="Bahnschrift" panose="020B0502040204020203" pitchFamily="34" charset="0"/>
+            </a:endParaRPr>
+          </a:p>
+          <a:p>
+            <a:endParaRPr lang="en-NZ" sz="2400" dirty="0">
+              <a:latin typeface="Bahnschrift" panose="020B0502040204020203" pitchFamily="34" charset="0"/>
+            </a:endParaRPr>
+          </a:p>
+          <a:p>
+            <a:r>
+              <a:rPr lang="en-NZ" sz="2400" dirty="0">
+                <a:latin typeface="Bahnschrift" panose="020B0502040204020203" pitchFamily="34" charset="0"/>
+              </a:rPr>
+              <a:t>This means we will have our product owner (supervisor in this case), work closely with us - the team - to prioritize what needs to be accomplished in the next ‘sprint’ (Blueprint, n.d.). </a:t>
+            </a:r>
           </a:p>
         </p:txBody>
       </p:sp>
@@ -11787,4 +13511,299 @@
     </a:ext>
   </a:extLst>
 </a:theme>
+</file>
+
+<file path=ppt/theme/theme2.xml><?xml version="1.0" encoding="utf-8"?>
+<a:theme xmlns:a="http://schemas.openxmlformats.org/drawingml/2006/main" name="Office Theme">
+  <a:themeElements>
+    <a:clrScheme name="Office">
+      <a:dk1>
+        <a:sysClr val="windowText" lastClr="000000"/>
+      </a:dk1>
+      <a:lt1>
+        <a:sysClr val="window" lastClr="FFFFFF"/>
+      </a:lt1>
+      <a:dk2>
+        <a:srgbClr val="44546A"/>
+      </a:dk2>
+      <a:lt2>
+        <a:srgbClr val="E7E6E6"/>
+      </a:lt2>
+      <a:accent1>
+        <a:srgbClr val="4472C4"/>
+      </a:accent1>
+      <a:accent2>
+        <a:srgbClr val="ED7D31"/>
+      </a:accent2>
+      <a:accent3>
+        <a:srgbClr val="A5A5A5"/>
+      </a:accent3>
+      <a:accent4>
+        <a:srgbClr val="FFC000"/>
+      </a:accent4>
+      <a:accent5>
+        <a:srgbClr val="5B9BD5"/>
+      </a:accent5>
+      <a:accent6>
+        <a:srgbClr val="70AD47"/>
+      </a:accent6>
+      <a:hlink>
+        <a:srgbClr val="0563C1"/>
+      </a:hlink>
+      <a:folHlink>
+        <a:srgbClr val="954F72"/>
+      </a:folHlink>
+    </a:clrScheme>
+    <a:fontScheme name="Office">
+      <a:majorFont>
+        <a:latin typeface="Calibri Light" panose="020F0302020204030204"/>
+        <a:ea typeface=""/>
+        <a:cs typeface=""/>
+        <a:font script="Jpan" typeface="游ゴシック Light"/>
+        <a:font script="Hang" typeface="맑은 고딕"/>
+        <a:font script="Hans" typeface="等线 Light"/>
+        <a:font script="Hant" typeface="新細明體"/>
+        <a:font script="Arab" typeface="Times New Roman"/>
+        <a:font script="Hebr" typeface="Times New Roman"/>
+        <a:font script="Thai" typeface="Angsana New"/>
+        <a:font script="Ethi" typeface="Nyala"/>
+        <a:font script="Beng" typeface="Vrinda"/>
+        <a:font script="Gujr" typeface="Shruti"/>
+        <a:font script="Khmr" typeface="MoolBoran"/>
+        <a:font script="Knda" typeface="Tunga"/>
+        <a:font script="Guru" typeface="Raavi"/>
+        <a:font script="Cans" typeface="Euphemia"/>
+        <a:font script="Cher" typeface="Plantagenet Cherokee"/>
+        <a:font script="Yiii" typeface="Microsoft Yi Baiti"/>
+        <a:font script="Tibt" typeface="Microsoft Himalaya"/>
+        <a:font script="Thaa" typeface="MV Boli"/>
+        <a:font script="Deva" typeface="Mangal"/>
+        <a:font script="Telu" typeface="Gautami"/>
+        <a:font script="Taml" typeface="Latha"/>
+        <a:font script="Syrc" typeface="Estrangelo Edessa"/>
+        <a:font script="Orya" typeface="Kalinga"/>
+        <a:font script="Mlym" typeface="Kartika"/>
+        <a:font script="Laoo" typeface="DokChampa"/>
+        <a:font script="Sinh" typeface="Iskoola Pota"/>
+        <a:font script="Mong" typeface="Mongolian Baiti"/>
+        <a:font script="Viet" typeface="Times New Roman"/>
+        <a:font script="Uigh" typeface="Microsoft Uighur"/>
+        <a:font script="Geor" typeface="Sylfaen"/>
+        <a:font script="Armn" typeface="Arial"/>
+        <a:font script="Bugi" typeface="Leelawadee UI"/>
+        <a:font script="Bopo" typeface="Microsoft JhengHei"/>
+        <a:font script="Java" typeface="Javanese Text"/>
+        <a:font script="Lisu" typeface="Segoe UI"/>
+        <a:font script="Mymr" typeface="Myanmar Text"/>
+        <a:font script="Nkoo" typeface="Ebrima"/>
+        <a:font script="Olck" typeface="Nirmala UI"/>
+        <a:font script="Osma" typeface="Ebrima"/>
+        <a:font script="Phag" typeface="Phagspa"/>
+        <a:font script="Syrn" typeface="Estrangelo Edessa"/>
+        <a:font script="Syrj" typeface="Estrangelo Edessa"/>
+        <a:font script="Syre" typeface="Estrangelo Edessa"/>
+        <a:font script="Sora" typeface="Nirmala UI"/>
+        <a:font script="Tale" typeface="Microsoft Tai Le"/>
+        <a:font script="Talu" typeface="Microsoft New Tai Lue"/>
+        <a:font script="Tfng" typeface="Ebrima"/>
+      </a:majorFont>
+      <a:minorFont>
+        <a:latin typeface="Calibri" panose="020F0502020204030204"/>
+        <a:ea typeface=""/>
+        <a:cs typeface=""/>
+        <a:font script="Jpan" typeface="游ゴシック"/>
+        <a:font script="Hang" typeface="맑은 고딕"/>
+        <a:font script="Hans" typeface="等线"/>
+        <a:font script="Hant" typeface="新細明體"/>
+        <a:font script="Arab" typeface="Arial"/>
+        <a:font script="Hebr" typeface="Arial"/>
+        <a:font script="Thai" typeface="Cordia New"/>
+        <a:font script="Ethi" typeface="Nyala"/>
+        <a:font script="Beng" typeface="Vrinda"/>
+        <a:font script="Gujr" typeface="Shruti"/>
+        <a:font script="Khmr" typeface="DaunPenh"/>
+        <a:font script="Knda" typeface="Tunga"/>
+        <a:font script="Guru" typeface="Raavi"/>
+        <a:font script="Cans" typeface="Euphemia"/>
+        <a:font script="Cher" typeface="Plantagenet Cherokee"/>
+        <a:font script="Yiii" typeface="Microsoft Yi Baiti"/>
+        <a:font script="Tibt" typeface="Microsoft Himalaya"/>
+        <a:font script="Thaa" typeface="MV Boli"/>
+        <a:font script="Deva" typeface="Mangal"/>
+        <a:font script="Telu" typeface="Gautami"/>
+        <a:font script="Taml" typeface="Latha"/>
+        <a:font script="Syrc" typeface="Estrangelo Edessa"/>
+        <a:font script="Orya" typeface="Kalinga"/>
+        <a:font script="Mlym" typeface="Kartika"/>
+        <a:font script="Laoo" typeface="DokChampa"/>
+        <a:font script="Sinh" typeface="Iskoola Pota"/>
+        <a:font script="Mong" typeface="Mongolian Baiti"/>
+        <a:font script="Viet" typeface="Arial"/>
+        <a:font script="Uigh" typeface="Microsoft Uighur"/>
+        <a:font script="Geor" typeface="Sylfaen"/>
+        <a:font script="Armn" typeface="Arial"/>
+        <a:font script="Bugi" typeface="Leelawadee UI"/>
+        <a:font script="Bopo" typeface="Microsoft JhengHei"/>
+        <a:font script="Java" typeface="Javanese Text"/>
+        <a:font script="Lisu" typeface="Segoe UI"/>
+        <a:font script="Mymr" typeface="Myanmar Text"/>
+        <a:font script="Nkoo" typeface="Ebrima"/>
+        <a:font script="Olck" typeface="Nirmala UI"/>
+        <a:font script="Osma" typeface="Ebrima"/>
+        <a:font script="Phag" typeface="Phagspa"/>
+        <a:font script="Syrn" typeface="Estrangelo Edessa"/>
+        <a:font script="Syrj" typeface="Estrangelo Edessa"/>
+        <a:font script="Syre" typeface="Estrangelo Edessa"/>
+        <a:font script="Sora" typeface="Nirmala UI"/>
+        <a:font script="Tale" typeface="Microsoft Tai Le"/>
+        <a:font script="Talu" typeface="Microsoft New Tai Lue"/>
+        <a:font script="Tfng" typeface="Ebrima"/>
+      </a:minorFont>
+    </a:fontScheme>
+    <a:fmtScheme name="Office">
+      <a:fillStyleLst>
+        <a:solidFill>
+          <a:schemeClr val="phClr"/>
+        </a:solidFill>
+        <a:gradFill rotWithShape="1">
+          <a:gsLst>
+            <a:gs pos="0">
+              <a:schemeClr val="phClr">
+                <a:lumMod val="110000"/>
+                <a:satMod val="105000"/>
+                <a:tint val="67000"/>
+              </a:schemeClr>
+            </a:gs>
+            <a:gs pos="50000">
+              <a:schemeClr val="phClr">
+                <a:lumMod val="105000"/>
+                <a:satMod val="103000"/>
+                <a:tint val="73000"/>
+              </a:schemeClr>
+            </a:gs>
+            <a:gs pos="100000">
+              <a:schemeClr val="phClr">
+                <a:lumMod val="105000"/>
+                <a:satMod val="109000"/>
+                <a:tint val="81000"/>
+              </a:schemeClr>
+            </a:gs>
+          </a:gsLst>
+          <a:lin ang="5400000" scaled="0"/>
+        </a:gradFill>
+        <a:gradFill rotWithShape="1">
+          <a:gsLst>
+            <a:gs pos="0">
+              <a:schemeClr val="phClr">
+                <a:satMod val="103000"/>
+                <a:lumMod val="102000"/>
+                <a:tint val="94000"/>
+              </a:schemeClr>
+            </a:gs>
+            <a:gs pos="50000">
+              <a:schemeClr val="phClr">
+                <a:satMod val="110000"/>
+                <a:lumMod val="100000"/>
+                <a:shade val="100000"/>
+              </a:schemeClr>
+            </a:gs>
+            <a:gs pos="100000">
+              <a:schemeClr val="phClr">
+                <a:lumMod val="99000"/>
+                <a:satMod val="120000"/>
+                <a:shade val="78000"/>
+              </a:schemeClr>
+            </a:gs>
+          </a:gsLst>
+          <a:lin ang="5400000" scaled="0"/>
+        </a:gradFill>
+      </a:fillStyleLst>
+      <a:lnStyleLst>
+        <a:ln w="6350" cap="flat" cmpd="sng" algn="ctr">
+          <a:solidFill>
+            <a:schemeClr val="phClr"/>
+          </a:solidFill>
+          <a:prstDash val="solid"/>
+          <a:miter lim="800000"/>
+        </a:ln>
+        <a:ln w="12700" cap="flat" cmpd="sng" algn="ctr">
+          <a:solidFill>
+            <a:schemeClr val="phClr"/>
+          </a:solidFill>
+          <a:prstDash val="solid"/>
+          <a:miter lim="800000"/>
+        </a:ln>
+        <a:ln w="19050" cap="flat" cmpd="sng" algn="ctr">
+          <a:solidFill>
+            <a:schemeClr val="phClr"/>
+          </a:solidFill>
+          <a:prstDash val="solid"/>
+          <a:miter lim="800000"/>
+        </a:ln>
+      </a:lnStyleLst>
+      <a:effectStyleLst>
+        <a:effectStyle>
+          <a:effectLst/>
+        </a:effectStyle>
+        <a:effectStyle>
+          <a:effectLst/>
+        </a:effectStyle>
+        <a:effectStyle>
+          <a:effectLst>
+            <a:outerShdw blurRad="57150" dist="19050" dir="5400000" algn="ctr" rotWithShape="0">
+              <a:srgbClr val="000000">
+                <a:alpha val="63000"/>
+              </a:srgbClr>
+            </a:outerShdw>
+          </a:effectLst>
+        </a:effectStyle>
+      </a:effectStyleLst>
+      <a:bgFillStyleLst>
+        <a:solidFill>
+          <a:schemeClr val="phClr"/>
+        </a:solidFill>
+        <a:solidFill>
+          <a:schemeClr val="phClr">
+            <a:tint val="95000"/>
+            <a:satMod val="170000"/>
+          </a:schemeClr>
+        </a:solidFill>
+        <a:gradFill rotWithShape="1">
+          <a:gsLst>
+            <a:gs pos="0">
+              <a:schemeClr val="phClr">
+                <a:tint val="93000"/>
+                <a:satMod val="150000"/>
+                <a:shade val="98000"/>
+                <a:lumMod val="102000"/>
+              </a:schemeClr>
+            </a:gs>
+            <a:gs pos="50000">
+              <a:schemeClr val="phClr">
+                <a:tint val="98000"/>
+                <a:satMod val="130000"/>
+                <a:shade val="90000"/>
+                <a:lumMod val="103000"/>
+              </a:schemeClr>
+            </a:gs>
+            <a:gs pos="100000">
+              <a:schemeClr val="phClr">
+                <a:shade val="63000"/>
+                <a:satMod val="120000"/>
+              </a:schemeClr>
+            </a:gs>
+          </a:gsLst>
+          <a:lin ang="5400000" scaled="0"/>
+        </a:gradFill>
+      </a:bgFillStyleLst>
+    </a:fmtScheme>
+  </a:themeElements>
+  <a:objectDefaults/>
+  <a:extraClrSchemeLst/>
+  <a:extLst>
+    <a:ext uri="{05A4C25C-085E-4340-85A3-A5531E510DB2}">
+      <thm15:themeFamily xmlns:thm15="http://schemas.microsoft.com/office/thememl/2012/main" name="Office Theme" id="{62F939B6-93AF-4DB8-9C6B-D6C7DFDC589F}" vid="{4A3C46E8-61CC-4603-A589-7422A47A8E4A}"/>
+    </a:ext>
+  </a:extLst>
+</a:theme>
 </file>